--- a/docs/Report.pptx
+++ b/docs/Report.pptx
@@ -11,7 +11,9 @@
     <p:sldId id="266" r:id="rId5"/>
     <p:sldId id="267" r:id="rId6"/>
     <p:sldId id="269" r:id="rId7"/>
-    <p:sldId id="268" r:id="rId8"/>
+    <p:sldId id="270" r:id="rId8"/>
+    <p:sldId id="271" r:id="rId9"/>
+    <p:sldId id="268" r:id="rId10"/>
   </p:sldIdLst>
   <p:sldSz cx="12192000" cy="6858000"/>
   <p:notesSz cx="6858000" cy="9144000"/>
@@ -344,7 +346,7 @@
           <a:p>
             <a:fld id="{56924A86-208E-425C-9BFB-A54BB61E24CB}" type="datetimeFigureOut">
               <a:rPr lang="it-IT" smtClean="0"/>
-              <a:t>25/06/2020</a:t>
+              <a:t>29/06/2020</a:t>
             </a:fld>
             <a:endParaRPr lang="it-IT"/>
           </a:p>
@@ -552,7 +554,7 @@
           <a:p>
             <a:fld id="{56924A86-208E-425C-9BFB-A54BB61E24CB}" type="datetimeFigureOut">
               <a:rPr lang="it-IT" smtClean="0"/>
-              <a:t>25/06/2020</a:t>
+              <a:t>29/06/2020</a:t>
             </a:fld>
             <a:endParaRPr lang="it-IT"/>
           </a:p>
@@ -808,7 +810,7 @@
           <a:p>
             <a:fld id="{56924A86-208E-425C-9BFB-A54BB61E24CB}" type="datetimeFigureOut">
               <a:rPr lang="it-IT" smtClean="0"/>
-              <a:t>25/06/2020</a:t>
+              <a:t>29/06/2020</a:t>
             </a:fld>
             <a:endParaRPr lang="it-IT"/>
           </a:p>
@@ -982,7 +984,7 @@
           <a:p>
             <a:fld id="{56924A86-208E-425C-9BFB-A54BB61E24CB}" type="datetimeFigureOut">
               <a:rPr lang="it-IT" smtClean="0"/>
-              <a:t>25/06/2020</a:t>
+              <a:t>29/06/2020</a:t>
             </a:fld>
             <a:endParaRPr lang="it-IT"/>
           </a:p>
@@ -1325,7 +1327,7 @@
           <a:p>
             <a:fld id="{56924A86-208E-425C-9BFB-A54BB61E24CB}" type="datetimeFigureOut">
               <a:rPr lang="it-IT" smtClean="0"/>
-              <a:t>25/06/2020</a:t>
+              <a:t>29/06/2020</a:t>
             </a:fld>
             <a:endParaRPr lang="it-IT"/>
           </a:p>
@@ -1600,7 +1602,7 @@
           <a:p>
             <a:fld id="{56924A86-208E-425C-9BFB-A54BB61E24CB}" type="datetimeFigureOut">
               <a:rPr lang="it-IT" smtClean="0"/>
-              <a:t>25/06/2020</a:t>
+              <a:t>29/06/2020</a:t>
             </a:fld>
             <a:endParaRPr lang="it-IT"/>
           </a:p>
@@ -1979,7 +1981,7 @@
           <a:p>
             <a:fld id="{56924A86-208E-425C-9BFB-A54BB61E24CB}" type="datetimeFigureOut">
               <a:rPr lang="it-IT" smtClean="0"/>
-              <a:t>25/06/2020</a:t>
+              <a:t>29/06/2020</a:t>
             </a:fld>
             <a:endParaRPr lang="it-IT"/>
           </a:p>
@@ -2097,7 +2099,7 @@
           <a:p>
             <a:fld id="{56924A86-208E-425C-9BFB-A54BB61E24CB}" type="datetimeFigureOut">
               <a:rPr lang="it-IT" smtClean="0"/>
-              <a:t>25/06/2020</a:t>
+              <a:t>29/06/2020</a:t>
             </a:fld>
             <a:endParaRPr lang="it-IT"/>
           </a:p>
@@ -2268,7 +2270,7 @@
           <a:p>
             <a:fld id="{56924A86-208E-425C-9BFB-A54BB61E24CB}" type="datetimeFigureOut">
               <a:rPr lang="it-IT" smtClean="0"/>
-              <a:t>25/06/2020</a:t>
+              <a:t>29/06/2020</a:t>
             </a:fld>
             <a:endParaRPr lang="it-IT"/>
           </a:p>
@@ -2622,7 +2624,7 @@
           <a:p>
             <a:fld id="{56924A86-208E-425C-9BFB-A54BB61E24CB}" type="datetimeFigureOut">
               <a:rPr lang="it-IT" smtClean="0"/>
-              <a:t>25/06/2020</a:t>
+              <a:t>29/06/2020</a:t>
             </a:fld>
             <a:endParaRPr lang="it-IT"/>
           </a:p>
@@ -3004,7 +3006,7 @@
           <a:p>
             <a:fld id="{56924A86-208E-425C-9BFB-A54BB61E24CB}" type="datetimeFigureOut">
               <a:rPr lang="it-IT" smtClean="0"/>
-              <a:t>25/06/2020</a:t>
+              <a:t>29/06/2020</a:t>
             </a:fld>
             <a:endParaRPr lang="it-IT"/>
           </a:p>
@@ -3291,7 +3293,7 @@
           <a:p>
             <a:fld id="{56924A86-208E-425C-9BFB-A54BB61E24CB}" type="datetimeFigureOut">
               <a:rPr lang="it-IT" smtClean="0"/>
-              <a:t>25/06/2020</a:t>
+              <a:t>29/06/2020</a:t>
             </a:fld>
             <a:endParaRPr lang="it-IT"/>
           </a:p>
@@ -4109,7 +4111,7 @@
         <p:spPr>
           <a:xfrm>
             <a:off x="1097280" y="4524414"/>
-            <a:ext cx="1906291" cy="1200329"/>
+            <a:ext cx="1977977" cy="1200329"/>
           </a:xfrm>
           <a:prstGeom prst="rect">
             <a:avLst/>
@@ -4139,7 +4141,7 @@
           <a:p>
             <a:r>
               <a:rPr lang="en-US" sz="1200" dirty="0"/>
-              <a:t>	“username”: “user”,</a:t>
+              <a:t>	“username”: “user1”,</a:t>
             </a:r>
           </a:p>
           <a:p>
@@ -4348,6 +4350,167 @@
   <p:clrMapOvr>
     <a:masterClrMapping/>
   </p:clrMapOvr>
+  <p:timing>
+    <p:tnLst>
+      <p:par>
+        <p:cTn id="1" dur="indefinite" restart="never" nodeType="tmRoot">
+          <p:childTnLst>
+            <p:seq concurrent="1" nextAc="seek">
+              <p:cTn id="2" dur="indefinite" nodeType="mainSeq">
+                <p:childTnLst>
+                  <p:par>
+                    <p:cTn id="3" fill="hold">
+                      <p:stCondLst>
+                        <p:cond delay="indefinite"/>
+                      </p:stCondLst>
+                      <p:childTnLst>
+                        <p:par>
+                          <p:cTn id="4" fill="hold">
+                            <p:stCondLst>
+                              <p:cond delay="0"/>
+                            </p:stCondLst>
+                            <p:childTnLst>
+                              <p:par>
+                                <p:cTn id="5" presetID="1" presetClass="entr" presetSubtype="0" fill="hold" grpId="0" nodeType="clickEffect">
+                                  <p:stCondLst>
+                                    <p:cond delay="0"/>
+                                  </p:stCondLst>
+                                  <p:childTnLst>
+                                    <p:set>
+                                      <p:cBhvr>
+                                        <p:cTn id="6" dur="1" fill="hold">
+                                          <p:stCondLst>
+                                            <p:cond delay="0"/>
+                                          </p:stCondLst>
+                                        </p:cTn>
+                                        <p:tgtEl>
+                                          <p:spTgt spid="7"/>
+                                        </p:tgtEl>
+                                        <p:attrNameLst>
+                                          <p:attrName>style.visibility</p:attrName>
+                                        </p:attrNameLst>
+                                      </p:cBhvr>
+                                      <p:to>
+                                        <p:strVal val="visible"/>
+                                      </p:to>
+                                    </p:set>
+                                  </p:childTnLst>
+                                </p:cTn>
+                              </p:par>
+                              <p:par>
+                                <p:cTn id="7" presetID="1" presetClass="entr" presetSubtype="0" fill="hold" grpId="0" nodeType="withEffect">
+                                  <p:stCondLst>
+                                    <p:cond delay="0"/>
+                                  </p:stCondLst>
+                                  <p:childTnLst>
+                                    <p:set>
+                                      <p:cBhvr>
+                                        <p:cTn id="8" dur="1" fill="hold">
+                                          <p:stCondLst>
+                                            <p:cond delay="0"/>
+                                          </p:stCondLst>
+                                        </p:cTn>
+                                        <p:tgtEl>
+                                          <p:spTgt spid="9"/>
+                                        </p:tgtEl>
+                                        <p:attrNameLst>
+                                          <p:attrName>style.visibility</p:attrName>
+                                        </p:attrNameLst>
+                                      </p:cBhvr>
+                                      <p:to>
+                                        <p:strVal val="visible"/>
+                                      </p:to>
+                                    </p:set>
+                                  </p:childTnLst>
+                                </p:cTn>
+                              </p:par>
+                              <p:par>
+                                <p:cTn id="9" presetID="1" presetClass="entr" presetSubtype="0" fill="hold" nodeType="withEffect">
+                                  <p:stCondLst>
+                                    <p:cond delay="0"/>
+                                  </p:stCondLst>
+                                  <p:childTnLst>
+                                    <p:set>
+                                      <p:cBhvr>
+                                        <p:cTn id="10" dur="1" fill="hold">
+                                          <p:stCondLst>
+                                            <p:cond delay="0"/>
+                                          </p:stCondLst>
+                                        </p:cTn>
+                                        <p:tgtEl>
+                                          <p:spTgt spid="15"/>
+                                        </p:tgtEl>
+                                        <p:attrNameLst>
+                                          <p:attrName>style.visibility</p:attrName>
+                                        </p:attrNameLst>
+                                      </p:cBhvr>
+                                      <p:to>
+                                        <p:strVal val="visible"/>
+                                      </p:to>
+                                    </p:set>
+                                  </p:childTnLst>
+                                </p:cTn>
+                              </p:par>
+                              <p:par>
+                                <p:cTn id="11" presetID="1" presetClass="entr" presetSubtype="0" fill="hold" grpId="0" nodeType="withEffect">
+                                  <p:stCondLst>
+                                    <p:cond delay="0"/>
+                                  </p:stCondLst>
+                                  <p:childTnLst>
+                                    <p:set>
+                                      <p:cBhvr>
+                                        <p:cTn id="12" dur="1" fill="hold">
+                                          <p:stCondLst>
+                                            <p:cond delay="0"/>
+                                          </p:stCondLst>
+                                        </p:cTn>
+                                        <p:tgtEl>
+                                          <p:spTgt spid="16"/>
+                                        </p:tgtEl>
+                                        <p:attrNameLst>
+                                          <p:attrName>style.visibility</p:attrName>
+                                        </p:attrNameLst>
+                                      </p:cBhvr>
+                                      <p:to>
+                                        <p:strVal val="visible"/>
+                                      </p:to>
+                                    </p:set>
+                                  </p:childTnLst>
+                                </p:cTn>
+                              </p:par>
+                            </p:childTnLst>
+                          </p:cTn>
+                        </p:par>
+                      </p:childTnLst>
+                    </p:cTn>
+                  </p:par>
+                </p:childTnLst>
+              </p:cTn>
+              <p:prevCondLst>
+                <p:cond evt="onPrev" delay="0">
+                  <p:tgtEl>
+                    <p:sldTgt/>
+                  </p:tgtEl>
+                </p:cond>
+              </p:prevCondLst>
+              <p:nextCondLst>
+                <p:cond evt="onNext" delay="0">
+                  <p:tgtEl>
+                    <p:sldTgt/>
+                  </p:tgtEl>
+                </p:cond>
+              </p:nextCondLst>
+            </p:seq>
+          </p:childTnLst>
+        </p:cTn>
+      </p:par>
+    </p:tnLst>
+    <p:bldLst>
+      <p:bldP spid="7" grpId="0"/>
+      <p:bldP spid="9" grpId="0"/>
+      <p:bldP spid="16" grpId="0"/>
+    </p:bldLst>
+  </p:timing>
 </p:sld>
 </file>
 
@@ -4666,7 +4829,7 @@
             </a:r>
             <a:r>
               <a:rPr lang="it-IT" sz="1200" dirty="0"/>
-              <a:t>": " http://localhost:4567 /sessions/839ddc65d3934064"</a:t>
+              <a:t>": "http://localhost:4567/sessions/839ddc65d3934064"</a:t>
             </a:r>
           </a:p>
           <a:p>
@@ -4738,6 +4901,167 @@
   <p:clrMapOvr>
     <a:masterClrMapping/>
   </p:clrMapOvr>
+  <p:timing>
+    <p:tnLst>
+      <p:par>
+        <p:cTn id="1" dur="indefinite" restart="never" nodeType="tmRoot">
+          <p:childTnLst>
+            <p:seq concurrent="1" nextAc="seek">
+              <p:cTn id="2" dur="indefinite" nodeType="mainSeq">
+                <p:childTnLst>
+                  <p:par>
+                    <p:cTn id="3" fill="hold">
+                      <p:stCondLst>
+                        <p:cond delay="indefinite"/>
+                      </p:stCondLst>
+                      <p:childTnLst>
+                        <p:par>
+                          <p:cTn id="4" fill="hold">
+                            <p:stCondLst>
+                              <p:cond delay="0"/>
+                            </p:stCondLst>
+                            <p:childTnLst>
+                              <p:par>
+                                <p:cTn id="5" presetID="1" presetClass="entr" presetSubtype="0" fill="hold" grpId="0" nodeType="clickEffect">
+                                  <p:stCondLst>
+                                    <p:cond delay="0"/>
+                                  </p:stCondLst>
+                                  <p:childTnLst>
+                                    <p:set>
+                                      <p:cBhvr>
+                                        <p:cTn id="6" dur="1" fill="hold">
+                                          <p:stCondLst>
+                                            <p:cond delay="0"/>
+                                          </p:stCondLst>
+                                        </p:cTn>
+                                        <p:tgtEl>
+                                          <p:spTgt spid="6"/>
+                                        </p:tgtEl>
+                                        <p:attrNameLst>
+                                          <p:attrName>style.visibility</p:attrName>
+                                        </p:attrNameLst>
+                                      </p:cBhvr>
+                                      <p:to>
+                                        <p:strVal val="visible"/>
+                                      </p:to>
+                                    </p:set>
+                                  </p:childTnLst>
+                                </p:cTn>
+                              </p:par>
+                              <p:par>
+                                <p:cTn id="7" presetID="1" presetClass="entr" presetSubtype="0" fill="hold" grpId="0" nodeType="withEffect">
+                                  <p:stCondLst>
+                                    <p:cond delay="0"/>
+                                  </p:stCondLst>
+                                  <p:childTnLst>
+                                    <p:set>
+                                      <p:cBhvr>
+                                        <p:cTn id="8" dur="1" fill="hold">
+                                          <p:stCondLst>
+                                            <p:cond delay="0"/>
+                                          </p:stCondLst>
+                                        </p:cTn>
+                                        <p:tgtEl>
+                                          <p:spTgt spid="7"/>
+                                        </p:tgtEl>
+                                        <p:attrNameLst>
+                                          <p:attrName>style.visibility</p:attrName>
+                                        </p:attrNameLst>
+                                      </p:cBhvr>
+                                      <p:to>
+                                        <p:strVal val="visible"/>
+                                      </p:to>
+                                    </p:set>
+                                  </p:childTnLst>
+                                </p:cTn>
+                              </p:par>
+                              <p:par>
+                                <p:cTn id="9" presetID="1" presetClass="entr" presetSubtype="0" fill="hold" nodeType="withEffect">
+                                  <p:stCondLst>
+                                    <p:cond delay="0"/>
+                                  </p:stCondLst>
+                                  <p:childTnLst>
+                                    <p:set>
+                                      <p:cBhvr>
+                                        <p:cTn id="10" dur="1" fill="hold">
+                                          <p:stCondLst>
+                                            <p:cond delay="0"/>
+                                          </p:stCondLst>
+                                        </p:cTn>
+                                        <p:tgtEl>
+                                          <p:spTgt spid="9"/>
+                                        </p:tgtEl>
+                                        <p:attrNameLst>
+                                          <p:attrName>style.visibility</p:attrName>
+                                        </p:attrNameLst>
+                                      </p:cBhvr>
+                                      <p:to>
+                                        <p:strVal val="visible"/>
+                                      </p:to>
+                                    </p:set>
+                                  </p:childTnLst>
+                                </p:cTn>
+                              </p:par>
+                              <p:par>
+                                <p:cTn id="11" presetID="1" presetClass="entr" presetSubtype="0" fill="hold" grpId="0" nodeType="withEffect">
+                                  <p:stCondLst>
+                                    <p:cond delay="0"/>
+                                  </p:stCondLst>
+                                  <p:childTnLst>
+                                    <p:set>
+                                      <p:cBhvr>
+                                        <p:cTn id="12" dur="1" fill="hold">
+                                          <p:stCondLst>
+                                            <p:cond delay="0"/>
+                                          </p:stCondLst>
+                                        </p:cTn>
+                                        <p:tgtEl>
+                                          <p:spTgt spid="8"/>
+                                        </p:tgtEl>
+                                        <p:attrNameLst>
+                                          <p:attrName>style.visibility</p:attrName>
+                                        </p:attrNameLst>
+                                      </p:cBhvr>
+                                      <p:to>
+                                        <p:strVal val="visible"/>
+                                      </p:to>
+                                    </p:set>
+                                  </p:childTnLst>
+                                </p:cTn>
+                              </p:par>
+                            </p:childTnLst>
+                          </p:cTn>
+                        </p:par>
+                      </p:childTnLst>
+                    </p:cTn>
+                  </p:par>
+                </p:childTnLst>
+              </p:cTn>
+              <p:prevCondLst>
+                <p:cond evt="onPrev" delay="0">
+                  <p:tgtEl>
+                    <p:sldTgt/>
+                  </p:tgtEl>
+                </p:cond>
+              </p:prevCondLst>
+              <p:nextCondLst>
+                <p:cond evt="onNext" delay="0">
+                  <p:tgtEl>
+                    <p:sldTgt/>
+                  </p:tgtEl>
+                </p:cond>
+              </p:nextCondLst>
+            </p:seq>
+          </p:childTnLst>
+        </p:cTn>
+      </p:par>
+    </p:tnLst>
+    <p:bldLst>
+      <p:bldP spid="6" grpId="0"/>
+      <p:bldP spid="7" grpId="0"/>
+      <p:bldP spid="8" grpId="0"/>
+    </p:bldLst>
+  </p:timing>
 </p:sld>
 </file>
 
@@ -5255,8 +5579,111 @@
             </a:pPr>
             <a:r>
               <a:rPr lang="en-US" sz="2400" b="1" dirty="0"/>
-              <a:t>Access token request: [POST] /oauth2/token</a:t>
-            </a:r>
+              <a:t>Access token request / refresh: [POST] /oauth2/token</a:t>
+            </a:r>
+          </a:p>
+          <a:p>
+            <a:pPr marL="0" indent="0">
+              <a:buNone/>
+            </a:pPr>
+            <a:endParaRPr lang="en-US" sz="2400" b="1" dirty="0"/>
+          </a:p>
+          <a:p>
+            <a:pPr marL="0" indent="0">
+              <a:buNone/>
+            </a:pPr>
+            <a:r>
+              <a:rPr lang="it-IT" sz="2400" dirty="0" err="1"/>
+              <a:t>Permissions</a:t>
+            </a:r>
+            <a:r>
+              <a:rPr lang="it-IT" sz="2400" dirty="0"/>
+              <a:t> </a:t>
+            </a:r>
+            <a:r>
+              <a:rPr lang="it-IT" sz="2400" dirty="0" err="1"/>
+              <a:t>that</a:t>
+            </a:r>
+            <a:r>
+              <a:rPr lang="it-IT" sz="2400" dirty="0"/>
+              <a:t> can be </a:t>
+            </a:r>
+            <a:r>
+              <a:rPr lang="it-IT" sz="2400" dirty="0" err="1"/>
+              <a:t>requested</a:t>
+            </a:r>
+            <a:r>
+              <a:rPr lang="it-IT" sz="2400" dirty="0"/>
+              <a:t> by an </a:t>
+            </a:r>
+            <a:r>
+              <a:rPr lang="it-IT" sz="2400" dirty="0" err="1"/>
+              <a:t>OAuth</a:t>
+            </a:r>
+            <a:r>
+              <a:rPr lang="it-IT" sz="2400" dirty="0"/>
+              <a:t> client:</a:t>
+            </a:r>
+          </a:p>
+          <a:p>
+            <a:pPr marL="285750" indent="-285750">
+              <a:buFont typeface="Arial" panose="020B0604020202020204" pitchFamily="34" charset="0"/>
+              <a:buChar char="•"/>
+            </a:pPr>
+            <a:r>
+              <a:rPr lang="it-IT" sz="2400" b="1" dirty="0" err="1"/>
+              <a:t>read_user</a:t>
+            </a:r>
+            <a:r>
+              <a:rPr lang="it-IT" sz="2400" dirty="0"/>
+              <a:t>: </a:t>
+            </a:r>
+            <a:r>
+              <a:rPr lang="it-IT" sz="2400" dirty="0" err="1"/>
+              <a:t>read</a:t>
+            </a:r>
+            <a:r>
+              <a:rPr lang="it-IT" sz="2400" dirty="0"/>
+              <a:t> user </a:t>
+            </a:r>
+            <a:r>
+              <a:rPr lang="it-IT" sz="2400" dirty="0" err="1"/>
+              <a:t>details</a:t>
+            </a:r>
+            <a:endParaRPr lang="it-IT" sz="2400" dirty="0"/>
+          </a:p>
+          <a:p>
+            <a:pPr marL="285750" indent="-285750">
+              <a:buFont typeface="Arial" panose="020B0604020202020204" pitchFamily="34" charset="0"/>
+              <a:buChar char="•"/>
+            </a:pPr>
+            <a:r>
+              <a:rPr lang="it-IT" sz="2400" b="1" dirty="0" err="1"/>
+              <a:t>read_images</a:t>
+            </a:r>
+            <a:r>
+              <a:rPr lang="it-IT" sz="2400" dirty="0"/>
+              <a:t>: </a:t>
+            </a:r>
+            <a:r>
+              <a:rPr lang="it-IT" sz="2400" dirty="0" err="1"/>
+              <a:t>read</a:t>
+            </a:r>
+            <a:r>
+              <a:rPr lang="it-IT" sz="2400" dirty="0"/>
+              <a:t> images list and download </a:t>
+            </a:r>
+            <a:r>
+              <a:rPr lang="it-IT" sz="2400" dirty="0" err="1"/>
+              <a:t>them</a:t>
+            </a:r>
+            <a:endParaRPr lang="it-IT" sz="2400" dirty="0"/>
+          </a:p>
+          <a:p>
+            <a:pPr marL="0" indent="0">
+              <a:buNone/>
+            </a:pPr>
+            <a:endParaRPr lang="en-US" sz="2400" b="1" dirty="0"/>
           </a:p>
         </p:txBody>
       </p:sp>
@@ -5372,6 +5799,3801 @@
       </p:grpSpPr>
       <p:sp>
         <p:nvSpPr>
+          <p:cNvPr id="8" name="Rettangolo 7">
+            <a:extLst>
+              <a:ext uri="{FF2B5EF4-FFF2-40B4-BE49-F238E27FC236}">
+                <a16:creationId xmlns:a16="http://schemas.microsoft.com/office/drawing/2014/main" id="{22EF56A9-F184-4A2D-94B0-BCC1FC339D27}"/>
+              </a:ext>
+            </a:extLst>
+          </p:cNvPr>
+          <p:cNvSpPr/>
+          <p:nvPr/>
+        </p:nvSpPr>
+        <p:spPr>
+          <a:xfrm>
+            <a:off x="1222522" y="2111609"/>
+            <a:ext cx="9933158" cy="3563328"/>
+          </a:xfrm>
+          <a:prstGeom prst="rect">
+            <a:avLst/>
+          </a:prstGeom>
+          <a:solidFill>
+            <a:schemeClr val="bg1">
+              <a:lumMod val="95000"/>
+            </a:schemeClr>
+          </a:solidFill>
+          <a:ln>
+            <a:solidFill>
+              <a:schemeClr val="tx1"/>
+            </a:solidFill>
+          </a:ln>
+        </p:spPr>
+        <p:style>
+          <a:lnRef idx="2">
+            <a:schemeClr val="accent1">
+              <a:shade val="50000"/>
+            </a:schemeClr>
+          </a:lnRef>
+          <a:fillRef idx="1">
+            <a:schemeClr val="accent1"/>
+          </a:fillRef>
+          <a:effectRef idx="0">
+            <a:schemeClr val="accent1"/>
+          </a:effectRef>
+          <a:fontRef idx="minor">
+            <a:schemeClr val="lt1"/>
+          </a:fontRef>
+        </p:style>
+        <p:txBody>
+          <a:bodyPr rtlCol="0" anchor="ctr"/>
+          <a:lstStyle/>
+          <a:p>
+            <a:pPr algn="ctr"/>
+            <a:endParaRPr lang="it-IT"/>
+          </a:p>
+        </p:txBody>
+      </p:sp>
+      <p:sp>
+        <p:nvSpPr>
+          <p:cNvPr id="10" name="Rettangolo 9">
+            <a:extLst>
+              <a:ext uri="{FF2B5EF4-FFF2-40B4-BE49-F238E27FC236}">
+                <a16:creationId xmlns:a16="http://schemas.microsoft.com/office/drawing/2014/main" id="{1C87BF3F-D765-4F17-BBEB-20E69961AFC4}"/>
+              </a:ext>
+            </a:extLst>
+          </p:cNvPr>
+          <p:cNvSpPr/>
+          <p:nvPr/>
+        </p:nvSpPr>
+        <p:spPr>
+          <a:xfrm>
+            <a:off x="1506021" y="2575211"/>
+            <a:ext cx="6991018" cy="1478316"/>
+          </a:xfrm>
+          <a:prstGeom prst="rect">
+            <a:avLst/>
+          </a:prstGeom>
+          <a:solidFill>
+            <a:schemeClr val="bg1"/>
+          </a:solidFill>
+          <a:ln>
+            <a:solidFill>
+              <a:schemeClr val="tx1"/>
+            </a:solidFill>
+          </a:ln>
+        </p:spPr>
+        <p:style>
+          <a:lnRef idx="2">
+            <a:schemeClr val="accent1">
+              <a:shade val="50000"/>
+            </a:schemeClr>
+          </a:lnRef>
+          <a:fillRef idx="1">
+            <a:schemeClr val="accent1"/>
+          </a:fillRef>
+          <a:effectRef idx="0">
+            <a:schemeClr val="accent1"/>
+          </a:effectRef>
+          <a:fontRef idx="minor">
+            <a:schemeClr val="lt1"/>
+          </a:fontRef>
+        </p:style>
+        <p:txBody>
+          <a:bodyPr rtlCol="0" anchor="ctr"/>
+          <a:lstStyle/>
+          <a:p>
+            <a:pPr algn="ctr"/>
+            <a:endParaRPr lang="it-IT"/>
+          </a:p>
+        </p:txBody>
+      </p:sp>
+      <p:sp>
+        <p:nvSpPr>
+          <p:cNvPr id="2" name="Titolo 1">
+            <a:extLst>
+              <a:ext uri="{FF2B5EF4-FFF2-40B4-BE49-F238E27FC236}">
+                <a16:creationId xmlns:a16="http://schemas.microsoft.com/office/drawing/2014/main" id="{D16FAA2E-581E-4E93-B4A2-A903297B16AD}"/>
+              </a:ext>
+            </a:extLst>
+          </p:cNvPr>
+          <p:cNvSpPr>
+            <a:spLocks noGrp="1"/>
+          </p:cNvSpPr>
+          <p:nvPr>
+            <p:ph type="title"/>
+          </p:nvPr>
+        </p:nvSpPr>
+        <p:spPr/>
+        <p:txBody>
+          <a:bodyPr/>
+          <a:lstStyle/>
+          <a:p>
+            <a:r>
+              <a:rPr lang="it-IT" dirty="0"/>
+              <a:t>Message flow</a:t>
+            </a:r>
+          </a:p>
+        </p:txBody>
+      </p:sp>
+      <p:cxnSp>
+        <p:nvCxnSpPr>
+          <p:cNvPr id="5" name="Connettore 2 4">
+            <a:extLst>
+              <a:ext uri="{FF2B5EF4-FFF2-40B4-BE49-F238E27FC236}">
+                <a16:creationId xmlns:a16="http://schemas.microsoft.com/office/drawing/2014/main" id="{2AB7694B-FA5D-4228-A9A1-48D66A89B33F}"/>
+              </a:ext>
+            </a:extLst>
+          </p:cNvPr>
+          <p:cNvCxnSpPr>
+            <a:cxnSpLocks/>
+          </p:cNvCxnSpPr>
+          <p:nvPr/>
+        </p:nvCxnSpPr>
+        <p:spPr>
+          <a:xfrm>
+            <a:off x="914400" y="3007150"/>
+            <a:ext cx="1063262" cy="0"/>
+          </a:xfrm>
+          <a:prstGeom prst="straightConnector1">
+            <a:avLst/>
+          </a:prstGeom>
+          <a:ln w="19050">
+            <a:solidFill>
+              <a:schemeClr val="tx1"/>
+            </a:solidFill>
+            <a:tailEnd type="triangle"/>
+          </a:ln>
+        </p:spPr>
+        <p:style>
+          <a:lnRef idx="1">
+            <a:schemeClr val="accent1"/>
+          </a:lnRef>
+          <a:fillRef idx="0">
+            <a:schemeClr val="accent1"/>
+          </a:fillRef>
+          <a:effectRef idx="0">
+            <a:schemeClr val="accent1"/>
+          </a:effectRef>
+          <a:fontRef idx="minor">
+            <a:schemeClr val="tx1"/>
+          </a:fontRef>
+        </p:style>
+      </p:cxnSp>
+      <p:grpSp>
+        <p:nvGrpSpPr>
+          <p:cNvPr id="11" name="Gruppo 10">
+            <a:extLst>
+              <a:ext uri="{FF2B5EF4-FFF2-40B4-BE49-F238E27FC236}">
+                <a16:creationId xmlns:a16="http://schemas.microsoft.com/office/drawing/2014/main" id="{FB7CBE49-4A45-4586-9C8F-2598269C2187}"/>
+              </a:ext>
+            </a:extLst>
+          </p:cNvPr>
+          <p:cNvGrpSpPr/>
+          <p:nvPr/>
+        </p:nvGrpSpPr>
+        <p:grpSpPr>
+          <a:xfrm>
+            <a:off x="152340" y="2791628"/>
+            <a:ext cx="820866" cy="650920"/>
+            <a:chOff x="1008226" y="2423983"/>
+            <a:chExt cx="820866" cy="650920"/>
+          </a:xfrm>
+        </p:grpSpPr>
+        <p:pic>
+          <p:nvPicPr>
+            <p:cNvPr id="6" name="Immagine 5" descr="Immagine che contiene disegnando&#10;&#10;Descrizione generata automaticamente">
+              <a:extLst>
+                <a:ext uri="{FF2B5EF4-FFF2-40B4-BE49-F238E27FC236}">
+                  <a16:creationId xmlns:a16="http://schemas.microsoft.com/office/drawing/2014/main" id="{48D06B4C-D587-4743-B555-4B217CFE8332}"/>
+                </a:ext>
+              </a:extLst>
+            </p:cNvPr>
+            <p:cNvPicPr>
+              <a:picLocks noChangeAspect="1"/>
+            </p:cNvPicPr>
+            <p:nvPr/>
+          </p:nvPicPr>
+          <p:blipFill rotWithShape="1">
+            <a:blip r:embed="rId2">
+              <a:extLst>
+                <a:ext uri="{28A0092B-C50C-407E-A947-70E740481C1C}">
+                  <a14:useLocalDpi xmlns:a14="http://schemas.microsoft.com/office/drawing/2010/main" val="0"/>
+                </a:ext>
+              </a:extLst>
+            </a:blip>
+            <a:srcRect l="-1839" t="18755" r="84968" b="48726"/>
+            <a:stretch/>
+          </p:blipFill>
+          <p:spPr>
+            <a:xfrm>
+              <a:off x="1097280" y="2423983"/>
+              <a:ext cx="575714" cy="431044"/>
+            </a:xfrm>
+            <a:prstGeom prst="rect">
+              <a:avLst/>
+            </a:prstGeom>
+          </p:spPr>
+        </p:pic>
+        <p:sp>
+          <p:nvSpPr>
+            <p:cNvPr id="7" name="CasellaDiTesto 6">
+              <a:extLst>
+                <a:ext uri="{FF2B5EF4-FFF2-40B4-BE49-F238E27FC236}">
+                  <a16:creationId xmlns:a16="http://schemas.microsoft.com/office/drawing/2014/main" id="{1FFB5E71-52CB-4790-B568-83D68576C151}"/>
+                </a:ext>
+              </a:extLst>
+            </p:cNvPr>
+            <p:cNvSpPr txBox="1"/>
+            <p:nvPr/>
+          </p:nvSpPr>
+          <p:spPr>
+            <a:xfrm>
+              <a:off x="1008226" y="2736349"/>
+              <a:ext cx="820866" cy="338554"/>
+            </a:xfrm>
+            <a:prstGeom prst="rect">
+              <a:avLst/>
+            </a:prstGeom>
+            <a:noFill/>
+          </p:spPr>
+          <p:txBody>
+            <a:bodyPr wrap="none" rtlCol="0">
+              <a:spAutoFit/>
+            </a:bodyPr>
+            <a:lstStyle/>
+            <a:p>
+              <a:r>
+                <a:rPr lang="it-IT" sz="1600" dirty="0" err="1"/>
+                <a:t>request</a:t>
+              </a:r>
+              <a:endParaRPr lang="it-IT" sz="1600" dirty="0"/>
+            </a:p>
+          </p:txBody>
+        </p:sp>
+      </p:grpSp>
+      <p:sp>
+        <p:nvSpPr>
+          <p:cNvPr id="9" name="CasellaDiTesto 8">
+            <a:extLst>
+              <a:ext uri="{FF2B5EF4-FFF2-40B4-BE49-F238E27FC236}">
+                <a16:creationId xmlns:a16="http://schemas.microsoft.com/office/drawing/2014/main" id="{8ECE67DD-A69B-4F85-A8B8-9AD917E41037}"/>
+              </a:ext>
+            </a:extLst>
+          </p:cNvPr>
+          <p:cNvSpPr txBox="1"/>
+          <p:nvPr/>
+        </p:nvSpPr>
+        <p:spPr>
+          <a:xfrm>
+            <a:off x="1217807" y="1794000"/>
+            <a:ext cx="2896177" cy="338554"/>
+          </a:xfrm>
+          <a:prstGeom prst="rect">
+            <a:avLst/>
+          </a:prstGeom>
+          <a:noFill/>
+        </p:spPr>
+        <p:txBody>
+          <a:bodyPr wrap="none" rtlCol="0">
+            <a:spAutoFit/>
+          </a:bodyPr>
+          <a:lstStyle/>
+          <a:p>
+            <a:r>
+              <a:rPr lang="it-IT" sz="1600" dirty="0"/>
+              <a:t>Resource server (REST endpoint)</a:t>
+            </a:r>
+          </a:p>
+        </p:txBody>
+      </p:sp>
+      <p:sp>
+        <p:nvSpPr>
+          <p:cNvPr id="12" name="CasellaDiTesto 11">
+            <a:extLst>
+              <a:ext uri="{FF2B5EF4-FFF2-40B4-BE49-F238E27FC236}">
+                <a16:creationId xmlns:a16="http://schemas.microsoft.com/office/drawing/2014/main" id="{778CF891-58DE-482D-9E60-812DFBF4414C}"/>
+              </a:ext>
+            </a:extLst>
+          </p:cNvPr>
+          <p:cNvSpPr txBox="1"/>
+          <p:nvPr/>
+        </p:nvSpPr>
+        <p:spPr>
+          <a:xfrm>
+            <a:off x="1506020" y="2231740"/>
+            <a:ext cx="1747210" cy="338554"/>
+          </a:xfrm>
+          <a:prstGeom prst="rect">
+            <a:avLst/>
+          </a:prstGeom>
+          <a:noFill/>
+        </p:spPr>
+        <p:txBody>
+          <a:bodyPr wrap="none" rtlCol="0">
+            <a:spAutoFit/>
+          </a:bodyPr>
+          <a:lstStyle/>
+          <a:p>
+            <a:r>
+              <a:rPr lang="it-IT" sz="1600" dirty="0" err="1"/>
+              <a:t>Responder</a:t>
+            </a:r>
+            <a:r>
+              <a:rPr lang="it-IT" sz="1600" dirty="0"/>
+              <a:t> (</a:t>
+            </a:r>
+            <a:r>
+              <a:rPr lang="it-IT" sz="1600" dirty="0" err="1"/>
+              <a:t>Route</a:t>
+            </a:r>
+            <a:r>
+              <a:rPr lang="it-IT" sz="1600" dirty="0"/>
+              <a:t>)</a:t>
+            </a:r>
+          </a:p>
+        </p:txBody>
+      </p:sp>
+      <p:sp>
+        <p:nvSpPr>
+          <p:cNvPr id="13" name="Ovale 12">
+            <a:extLst>
+              <a:ext uri="{FF2B5EF4-FFF2-40B4-BE49-F238E27FC236}">
+                <a16:creationId xmlns:a16="http://schemas.microsoft.com/office/drawing/2014/main" id="{4755BAE1-E1D8-42F7-8D50-E14575EADC86}"/>
+              </a:ext>
+            </a:extLst>
+          </p:cNvPr>
+          <p:cNvSpPr/>
+          <p:nvPr/>
+        </p:nvSpPr>
+        <p:spPr>
+          <a:xfrm>
+            <a:off x="10826930" y="3231000"/>
+            <a:ext cx="86136" cy="86136"/>
+          </a:xfrm>
+          <a:prstGeom prst="ellipse">
+            <a:avLst/>
+          </a:prstGeom>
+          <a:solidFill>
+            <a:schemeClr val="tx1">
+              <a:lumMod val="65000"/>
+              <a:lumOff val="35000"/>
+            </a:schemeClr>
+          </a:solidFill>
+          <a:ln>
+            <a:noFill/>
+          </a:ln>
+        </p:spPr>
+        <p:style>
+          <a:lnRef idx="2">
+            <a:schemeClr val="accent1">
+              <a:shade val="50000"/>
+            </a:schemeClr>
+          </a:lnRef>
+          <a:fillRef idx="1">
+            <a:schemeClr val="accent1"/>
+          </a:fillRef>
+          <a:effectRef idx="0">
+            <a:schemeClr val="accent1"/>
+          </a:effectRef>
+          <a:fontRef idx="minor">
+            <a:schemeClr val="lt1"/>
+          </a:fontRef>
+        </p:style>
+        <p:txBody>
+          <a:bodyPr rtlCol="0" anchor="ctr"/>
+          <a:lstStyle/>
+          <a:p>
+            <a:pPr algn="ctr"/>
+            <a:endParaRPr lang="it-IT"/>
+          </a:p>
+        </p:txBody>
+      </p:sp>
+      <p:cxnSp>
+        <p:nvCxnSpPr>
+          <p:cNvPr id="19" name="Connettore a gomito 18">
+            <a:extLst>
+              <a:ext uri="{FF2B5EF4-FFF2-40B4-BE49-F238E27FC236}">
+                <a16:creationId xmlns:a16="http://schemas.microsoft.com/office/drawing/2014/main" id="{AE4A86E3-808E-42A3-B020-AEA70C812E8E}"/>
+              </a:ext>
+            </a:extLst>
+          </p:cNvPr>
+          <p:cNvCxnSpPr>
+            <a:cxnSpLocks/>
+          </p:cNvCxnSpPr>
+          <p:nvPr/>
+        </p:nvCxnSpPr>
+        <p:spPr>
+          <a:xfrm>
+            <a:off x="1847652" y="3007150"/>
+            <a:ext cx="2615023" cy="679124"/>
+          </a:xfrm>
+          <a:prstGeom prst="bentConnector3">
+            <a:avLst>
+              <a:gd name="adj1" fmla="val -5515"/>
+            </a:avLst>
+          </a:prstGeom>
+          <a:ln w="19050">
+            <a:solidFill>
+              <a:schemeClr val="tx1"/>
+            </a:solidFill>
+            <a:tailEnd type="triangle"/>
+          </a:ln>
+        </p:spPr>
+        <p:style>
+          <a:lnRef idx="1">
+            <a:schemeClr val="accent1"/>
+          </a:lnRef>
+          <a:fillRef idx="0">
+            <a:schemeClr val="accent1"/>
+          </a:fillRef>
+          <a:effectRef idx="0">
+            <a:schemeClr val="accent1"/>
+          </a:effectRef>
+          <a:fontRef idx="minor">
+            <a:schemeClr val="tx1"/>
+          </a:fontRef>
+        </p:style>
+      </p:cxnSp>
+      <p:sp>
+        <p:nvSpPr>
+          <p:cNvPr id="21" name="Rettangolo 20">
+            <a:extLst>
+              <a:ext uri="{FF2B5EF4-FFF2-40B4-BE49-F238E27FC236}">
+                <a16:creationId xmlns:a16="http://schemas.microsoft.com/office/drawing/2014/main" id="{0C5D30B4-D881-42A7-9DE5-B31A8857E4EF}"/>
+              </a:ext>
+            </a:extLst>
+          </p:cNvPr>
+          <p:cNvSpPr/>
+          <p:nvPr/>
+        </p:nvSpPr>
+        <p:spPr>
+          <a:xfrm>
+            <a:off x="2052373" y="2791628"/>
+            <a:ext cx="1875936" cy="431044"/>
+          </a:xfrm>
+          <a:prstGeom prst="rect">
+            <a:avLst/>
+          </a:prstGeom>
+          <a:noFill/>
+          <a:ln>
+            <a:solidFill>
+              <a:schemeClr val="tx1"/>
+            </a:solidFill>
+          </a:ln>
+        </p:spPr>
+        <p:style>
+          <a:lnRef idx="2">
+            <a:schemeClr val="accent1">
+              <a:shade val="50000"/>
+            </a:schemeClr>
+          </a:lnRef>
+          <a:fillRef idx="1">
+            <a:schemeClr val="accent1"/>
+          </a:fillRef>
+          <a:effectRef idx="0">
+            <a:schemeClr val="accent1"/>
+          </a:effectRef>
+          <a:fontRef idx="minor">
+            <a:schemeClr val="lt1"/>
+          </a:fontRef>
+        </p:style>
+        <p:txBody>
+          <a:bodyPr rtlCol="0" anchor="ctr"/>
+          <a:lstStyle/>
+          <a:p>
+            <a:pPr algn="ctr"/>
+            <a:r>
+              <a:rPr lang="it-IT" dirty="0">
+                <a:solidFill>
+                  <a:sysClr val="windowText" lastClr="000000"/>
+                </a:solidFill>
+              </a:rPr>
+              <a:t>Token </a:t>
+            </a:r>
+            <a:r>
+              <a:rPr lang="it-IT" dirty="0" err="1">
+                <a:solidFill>
+                  <a:sysClr val="windowText" lastClr="000000"/>
+                </a:solidFill>
+              </a:rPr>
+              <a:t>extractor</a:t>
+            </a:r>
+            <a:endParaRPr lang="it-IT" dirty="0">
+              <a:solidFill>
+                <a:sysClr val="windowText" lastClr="000000"/>
+              </a:solidFill>
+            </a:endParaRPr>
+          </a:p>
+        </p:txBody>
+      </p:sp>
+      <p:cxnSp>
+        <p:nvCxnSpPr>
+          <p:cNvPr id="29" name="Connettore 2 28">
+            <a:extLst>
+              <a:ext uri="{FF2B5EF4-FFF2-40B4-BE49-F238E27FC236}">
+                <a16:creationId xmlns:a16="http://schemas.microsoft.com/office/drawing/2014/main" id="{153C68B7-FF24-43D3-822C-8B24A664198D}"/>
+              </a:ext>
+            </a:extLst>
+          </p:cNvPr>
+          <p:cNvCxnSpPr>
+            <a:cxnSpLocks/>
+          </p:cNvCxnSpPr>
+          <p:nvPr/>
+        </p:nvCxnSpPr>
+        <p:spPr>
+          <a:xfrm>
+            <a:off x="3928309" y="3007150"/>
+            <a:ext cx="534366" cy="0"/>
+          </a:xfrm>
+          <a:prstGeom prst="straightConnector1">
+            <a:avLst/>
+          </a:prstGeom>
+          <a:ln w="19050">
+            <a:solidFill>
+              <a:schemeClr val="tx1"/>
+            </a:solidFill>
+            <a:tailEnd type="triangle"/>
+          </a:ln>
+        </p:spPr>
+        <p:style>
+          <a:lnRef idx="1">
+            <a:schemeClr val="accent1"/>
+          </a:lnRef>
+          <a:fillRef idx="0">
+            <a:schemeClr val="accent1"/>
+          </a:fillRef>
+          <a:effectRef idx="0">
+            <a:schemeClr val="accent1"/>
+          </a:effectRef>
+          <a:fontRef idx="minor">
+            <a:schemeClr val="tx1"/>
+          </a:fontRef>
+        </p:style>
+      </p:cxnSp>
+      <p:sp>
+        <p:nvSpPr>
+          <p:cNvPr id="34" name="CasellaDiTesto 33">
+            <a:extLst>
+              <a:ext uri="{FF2B5EF4-FFF2-40B4-BE49-F238E27FC236}">
+                <a16:creationId xmlns:a16="http://schemas.microsoft.com/office/drawing/2014/main" id="{7DD59B40-9848-4F13-AF7D-ACAC579DB809}"/>
+              </a:ext>
+            </a:extLst>
+          </p:cNvPr>
+          <p:cNvSpPr txBox="1"/>
+          <p:nvPr/>
+        </p:nvSpPr>
+        <p:spPr>
+          <a:xfrm>
+            <a:off x="2293932" y="3371003"/>
+            <a:ext cx="1392817" cy="338554"/>
+          </a:xfrm>
+          <a:prstGeom prst="rect">
+            <a:avLst/>
+          </a:prstGeom>
+          <a:noFill/>
+        </p:spPr>
+        <p:txBody>
+          <a:bodyPr wrap="none" rtlCol="0">
+            <a:spAutoFit/>
+          </a:bodyPr>
+          <a:lstStyle/>
+          <a:p>
+            <a:r>
+              <a:rPr lang="it-IT" sz="1600" i="1" dirty="0" err="1"/>
+              <a:t>deserialization</a:t>
+            </a:r>
+            <a:endParaRPr lang="it-IT" sz="1600" i="1" dirty="0"/>
+          </a:p>
+        </p:txBody>
+      </p:sp>
+      <p:sp>
+        <p:nvSpPr>
+          <p:cNvPr id="46" name="CasellaDiTesto 45">
+            <a:extLst>
+              <a:ext uri="{FF2B5EF4-FFF2-40B4-BE49-F238E27FC236}">
+                <a16:creationId xmlns:a16="http://schemas.microsoft.com/office/drawing/2014/main" id="{99EFE4C4-C374-4991-AAC8-616317983562}"/>
+              </a:ext>
+            </a:extLst>
+          </p:cNvPr>
+          <p:cNvSpPr txBox="1"/>
+          <p:nvPr/>
+        </p:nvSpPr>
+        <p:spPr>
+          <a:xfrm>
+            <a:off x="4442303" y="2814590"/>
+            <a:ext cx="656975" cy="338554"/>
+          </a:xfrm>
+          <a:prstGeom prst="rect">
+            <a:avLst/>
+          </a:prstGeom>
+          <a:noFill/>
+        </p:spPr>
+        <p:txBody>
+          <a:bodyPr wrap="none" rtlCol="0">
+            <a:spAutoFit/>
+          </a:bodyPr>
+          <a:lstStyle/>
+          <a:p>
+            <a:r>
+              <a:rPr lang="it-IT" sz="1600" dirty="0"/>
+              <a:t>token</a:t>
+            </a:r>
+          </a:p>
+        </p:txBody>
+      </p:sp>
+      <p:sp>
+        <p:nvSpPr>
+          <p:cNvPr id="47" name="CasellaDiTesto 46">
+            <a:extLst>
+              <a:ext uri="{FF2B5EF4-FFF2-40B4-BE49-F238E27FC236}">
+                <a16:creationId xmlns:a16="http://schemas.microsoft.com/office/drawing/2014/main" id="{34A0D016-B044-44EF-901A-45256F607D5F}"/>
+              </a:ext>
+            </a:extLst>
+          </p:cNvPr>
+          <p:cNvSpPr txBox="1"/>
+          <p:nvPr/>
+        </p:nvSpPr>
+        <p:spPr>
+          <a:xfrm>
+            <a:off x="4448368" y="3470753"/>
+            <a:ext cx="1860509" cy="338554"/>
+          </a:xfrm>
+          <a:prstGeom prst="rect">
+            <a:avLst/>
+          </a:prstGeom>
+          <a:noFill/>
+        </p:spPr>
+        <p:txBody>
+          <a:bodyPr wrap="none" rtlCol="0">
+            <a:spAutoFit/>
+          </a:bodyPr>
+          <a:lstStyle/>
+          <a:p>
+            <a:r>
+              <a:rPr lang="it-IT" sz="1600" dirty="0" err="1"/>
+              <a:t>request</a:t>
+            </a:r>
+            <a:r>
+              <a:rPr lang="it-IT" sz="1600" dirty="0"/>
+              <a:t> </a:t>
+            </a:r>
+            <a:r>
+              <a:rPr lang="it-IT" sz="1600" dirty="0" err="1"/>
+              <a:t>parameters</a:t>
+            </a:r>
+            <a:endParaRPr lang="it-IT" sz="1600" dirty="0"/>
+          </a:p>
+        </p:txBody>
+      </p:sp>
+      <p:sp>
+        <p:nvSpPr>
+          <p:cNvPr id="48" name="Parentesi graffa chiusa 47">
+            <a:extLst>
+              <a:ext uri="{FF2B5EF4-FFF2-40B4-BE49-F238E27FC236}">
+                <a16:creationId xmlns:a16="http://schemas.microsoft.com/office/drawing/2014/main" id="{3B87137B-0304-4425-BFE5-B1014F7B8C84}"/>
+              </a:ext>
+            </a:extLst>
+          </p:cNvPr>
+          <p:cNvSpPr/>
+          <p:nvPr/>
+        </p:nvSpPr>
+        <p:spPr>
+          <a:xfrm>
+            <a:off x="6174985" y="2791628"/>
+            <a:ext cx="201428" cy="1017679"/>
+          </a:xfrm>
+          <a:prstGeom prst="rightBrace">
+            <a:avLst/>
+          </a:prstGeom>
+          <a:ln>
+            <a:solidFill>
+              <a:schemeClr val="tx1"/>
+            </a:solidFill>
+          </a:ln>
+        </p:spPr>
+        <p:style>
+          <a:lnRef idx="1">
+            <a:schemeClr val="accent1"/>
+          </a:lnRef>
+          <a:fillRef idx="0">
+            <a:schemeClr val="accent1"/>
+          </a:fillRef>
+          <a:effectRef idx="0">
+            <a:schemeClr val="accent1"/>
+          </a:effectRef>
+          <a:fontRef idx="minor">
+            <a:schemeClr val="tx1"/>
+          </a:fontRef>
+        </p:style>
+        <p:txBody>
+          <a:bodyPr rtlCol="0" anchor="ctr"/>
+          <a:lstStyle/>
+          <a:p>
+            <a:pPr algn="ctr"/>
+            <a:endParaRPr lang="it-IT"/>
+          </a:p>
+        </p:txBody>
+      </p:sp>
+      <p:cxnSp>
+        <p:nvCxnSpPr>
+          <p:cNvPr id="49" name="Connettore 2 48">
+            <a:extLst>
+              <a:ext uri="{FF2B5EF4-FFF2-40B4-BE49-F238E27FC236}">
+                <a16:creationId xmlns:a16="http://schemas.microsoft.com/office/drawing/2014/main" id="{9DAD55E6-9D74-40B2-944C-311C3D18C041}"/>
+              </a:ext>
+            </a:extLst>
+          </p:cNvPr>
+          <p:cNvCxnSpPr>
+            <a:cxnSpLocks/>
+          </p:cNvCxnSpPr>
+          <p:nvPr/>
+        </p:nvCxnSpPr>
+        <p:spPr>
+          <a:xfrm>
+            <a:off x="6487211" y="3297086"/>
+            <a:ext cx="1054232" cy="0"/>
+          </a:xfrm>
+          <a:prstGeom prst="straightConnector1">
+            <a:avLst/>
+          </a:prstGeom>
+          <a:ln w="19050">
+            <a:solidFill>
+              <a:schemeClr val="tx1"/>
+            </a:solidFill>
+            <a:tailEnd type="triangle"/>
+          </a:ln>
+        </p:spPr>
+        <p:style>
+          <a:lnRef idx="1">
+            <a:schemeClr val="accent1"/>
+          </a:lnRef>
+          <a:fillRef idx="0">
+            <a:schemeClr val="accent1"/>
+          </a:fillRef>
+          <a:effectRef idx="0">
+            <a:schemeClr val="accent1"/>
+          </a:effectRef>
+          <a:fontRef idx="minor">
+            <a:schemeClr val="tx1"/>
+          </a:fontRef>
+        </p:style>
+      </p:cxnSp>
+      <p:sp>
+        <p:nvSpPr>
+          <p:cNvPr id="50" name="CasellaDiTesto 49">
+            <a:extLst>
+              <a:ext uri="{FF2B5EF4-FFF2-40B4-BE49-F238E27FC236}">
+                <a16:creationId xmlns:a16="http://schemas.microsoft.com/office/drawing/2014/main" id="{B005FA01-8B8B-4418-BBEF-75DB068763CC}"/>
+              </a:ext>
+            </a:extLst>
+          </p:cNvPr>
+          <p:cNvSpPr txBox="1"/>
+          <p:nvPr/>
+        </p:nvSpPr>
+        <p:spPr>
+          <a:xfrm>
+            <a:off x="6533078" y="2940685"/>
+            <a:ext cx="819327" cy="338554"/>
+          </a:xfrm>
+          <a:prstGeom prst="rect">
+            <a:avLst/>
+          </a:prstGeom>
+          <a:noFill/>
+        </p:spPr>
+        <p:txBody>
+          <a:bodyPr wrap="none" rtlCol="0">
+            <a:spAutoFit/>
+          </a:bodyPr>
+          <a:lstStyle/>
+          <a:p>
+            <a:r>
+              <a:rPr lang="it-IT" sz="1600" i="1" dirty="0" err="1"/>
+              <a:t>process</a:t>
+            </a:r>
+            <a:endParaRPr lang="it-IT" sz="1600" i="1" dirty="0"/>
+          </a:p>
+        </p:txBody>
+      </p:sp>
+      <p:grpSp>
+        <p:nvGrpSpPr>
+          <p:cNvPr id="51" name="Gruppo 50">
+            <a:extLst>
+              <a:ext uri="{FF2B5EF4-FFF2-40B4-BE49-F238E27FC236}">
+                <a16:creationId xmlns:a16="http://schemas.microsoft.com/office/drawing/2014/main" id="{9F394EDE-9536-4963-A317-52E462261D89}"/>
+              </a:ext>
+            </a:extLst>
+          </p:cNvPr>
+          <p:cNvGrpSpPr/>
+          <p:nvPr/>
+        </p:nvGrpSpPr>
+        <p:grpSpPr>
+          <a:xfrm>
+            <a:off x="7412253" y="3096737"/>
+            <a:ext cx="943400" cy="650920"/>
+            <a:chOff x="961091" y="2423983"/>
+            <a:chExt cx="943400" cy="650920"/>
+          </a:xfrm>
+        </p:grpSpPr>
+        <p:pic>
+          <p:nvPicPr>
+            <p:cNvPr id="52" name="Immagine 51" descr="Immagine che contiene disegnando&#10;&#10;Descrizione generata automaticamente">
+              <a:extLst>
+                <a:ext uri="{FF2B5EF4-FFF2-40B4-BE49-F238E27FC236}">
+                  <a16:creationId xmlns:a16="http://schemas.microsoft.com/office/drawing/2014/main" id="{01C1222F-4D84-438A-80A1-873DC492A141}"/>
+                </a:ext>
+              </a:extLst>
+            </p:cNvPr>
+            <p:cNvPicPr>
+              <a:picLocks noChangeAspect="1"/>
+            </p:cNvPicPr>
+            <p:nvPr/>
+          </p:nvPicPr>
+          <p:blipFill rotWithShape="1">
+            <a:blip r:embed="rId2">
+              <a:extLst>
+                <a:ext uri="{28A0092B-C50C-407E-A947-70E740481C1C}">
+                  <a14:useLocalDpi xmlns:a14="http://schemas.microsoft.com/office/drawing/2010/main" val="0"/>
+                </a:ext>
+              </a:extLst>
+            </a:blip>
+            <a:srcRect l="-1839" t="18755" r="84968" b="48726"/>
+            <a:stretch/>
+          </p:blipFill>
+          <p:spPr>
+            <a:xfrm>
+              <a:off x="1097280" y="2423983"/>
+              <a:ext cx="575714" cy="431044"/>
+            </a:xfrm>
+            <a:prstGeom prst="rect">
+              <a:avLst/>
+            </a:prstGeom>
+          </p:spPr>
+        </p:pic>
+        <p:sp>
+          <p:nvSpPr>
+            <p:cNvPr id="53" name="CasellaDiTesto 52">
+              <a:extLst>
+                <a:ext uri="{FF2B5EF4-FFF2-40B4-BE49-F238E27FC236}">
+                  <a16:creationId xmlns:a16="http://schemas.microsoft.com/office/drawing/2014/main" id="{FB62B6D2-1AFD-47FF-8EE6-2C0EF8DF39D9}"/>
+                </a:ext>
+              </a:extLst>
+            </p:cNvPr>
+            <p:cNvSpPr txBox="1"/>
+            <p:nvPr/>
+          </p:nvSpPr>
+          <p:spPr>
+            <a:xfrm>
+              <a:off x="961091" y="2736349"/>
+              <a:ext cx="943400" cy="338554"/>
+            </a:xfrm>
+            <a:prstGeom prst="rect">
+              <a:avLst/>
+            </a:prstGeom>
+            <a:noFill/>
+          </p:spPr>
+          <p:txBody>
+            <a:bodyPr wrap="none" rtlCol="0">
+              <a:spAutoFit/>
+            </a:bodyPr>
+            <a:lstStyle/>
+            <a:p>
+              <a:r>
+                <a:rPr lang="it-IT" sz="1600" dirty="0" err="1"/>
+                <a:t>response</a:t>
+              </a:r>
+              <a:endParaRPr lang="it-IT" sz="1600" dirty="0"/>
+            </a:p>
+          </p:txBody>
+        </p:sp>
+      </p:grpSp>
+      <p:sp>
+        <p:nvSpPr>
+          <p:cNvPr id="56" name="Rettangolo 55">
+            <a:extLst>
+              <a:ext uri="{FF2B5EF4-FFF2-40B4-BE49-F238E27FC236}">
+                <a16:creationId xmlns:a16="http://schemas.microsoft.com/office/drawing/2014/main" id="{7A5F1ED3-364A-4BB7-946B-B5065B86790C}"/>
+              </a:ext>
+            </a:extLst>
+          </p:cNvPr>
+          <p:cNvSpPr/>
+          <p:nvPr/>
+        </p:nvSpPr>
+        <p:spPr>
+          <a:xfrm>
+            <a:off x="9030060" y="2993293"/>
+            <a:ext cx="1501192" cy="629596"/>
+          </a:xfrm>
+          <a:prstGeom prst="rect">
+            <a:avLst/>
+          </a:prstGeom>
+          <a:solidFill>
+            <a:schemeClr val="bg1"/>
+          </a:solidFill>
+          <a:ln>
+            <a:solidFill>
+              <a:schemeClr val="tx1"/>
+            </a:solidFill>
+          </a:ln>
+        </p:spPr>
+        <p:style>
+          <a:lnRef idx="2">
+            <a:schemeClr val="accent1">
+              <a:shade val="50000"/>
+            </a:schemeClr>
+          </a:lnRef>
+          <a:fillRef idx="1">
+            <a:schemeClr val="accent1"/>
+          </a:fillRef>
+          <a:effectRef idx="0">
+            <a:schemeClr val="accent1"/>
+          </a:effectRef>
+          <a:fontRef idx="minor">
+            <a:schemeClr val="lt1"/>
+          </a:fontRef>
+        </p:style>
+        <p:txBody>
+          <a:bodyPr rtlCol="0" anchor="ctr"/>
+          <a:lstStyle/>
+          <a:p>
+            <a:pPr algn="ctr"/>
+            <a:r>
+              <a:rPr lang="it-IT" dirty="0">
+                <a:solidFill>
+                  <a:sysClr val="windowText" lastClr="000000"/>
+                </a:solidFill>
+              </a:rPr>
+              <a:t>JSON</a:t>
+            </a:r>
+          </a:p>
+          <a:p>
+            <a:pPr algn="ctr"/>
+            <a:r>
+              <a:rPr lang="it-IT" dirty="0">
+                <a:solidFill>
+                  <a:sysClr val="windowText" lastClr="000000"/>
+                </a:solidFill>
+              </a:rPr>
+              <a:t>transformer</a:t>
+            </a:r>
+          </a:p>
+        </p:txBody>
+      </p:sp>
+      <p:cxnSp>
+        <p:nvCxnSpPr>
+          <p:cNvPr id="61" name="Connettore 2 60">
+            <a:extLst>
+              <a:ext uri="{FF2B5EF4-FFF2-40B4-BE49-F238E27FC236}">
+                <a16:creationId xmlns:a16="http://schemas.microsoft.com/office/drawing/2014/main" id="{D301AFBE-0DFE-42F4-BD8D-AFE669D63923}"/>
+              </a:ext>
+            </a:extLst>
+          </p:cNvPr>
+          <p:cNvCxnSpPr>
+            <a:cxnSpLocks/>
+          </p:cNvCxnSpPr>
+          <p:nvPr/>
+        </p:nvCxnSpPr>
+        <p:spPr>
+          <a:xfrm>
+            <a:off x="8204461" y="3281973"/>
+            <a:ext cx="825599" cy="0"/>
+          </a:xfrm>
+          <a:prstGeom prst="straightConnector1">
+            <a:avLst/>
+          </a:prstGeom>
+          <a:ln w="19050">
+            <a:solidFill>
+              <a:schemeClr val="tx1"/>
+            </a:solidFill>
+            <a:prstDash val="dash"/>
+            <a:tailEnd type="triangle"/>
+          </a:ln>
+        </p:spPr>
+        <p:style>
+          <a:lnRef idx="1">
+            <a:schemeClr val="accent1"/>
+          </a:lnRef>
+          <a:fillRef idx="0">
+            <a:schemeClr val="accent1"/>
+          </a:fillRef>
+          <a:effectRef idx="0">
+            <a:schemeClr val="accent1"/>
+          </a:effectRef>
+          <a:fontRef idx="minor">
+            <a:schemeClr val="tx1"/>
+          </a:fontRef>
+        </p:style>
+      </p:cxnSp>
+      <p:cxnSp>
+        <p:nvCxnSpPr>
+          <p:cNvPr id="63" name="Connettore 2 62">
+            <a:extLst>
+              <a:ext uri="{FF2B5EF4-FFF2-40B4-BE49-F238E27FC236}">
+                <a16:creationId xmlns:a16="http://schemas.microsoft.com/office/drawing/2014/main" id="{5EC47876-24E2-4C28-A5F9-D522F56B9C07}"/>
+              </a:ext>
+            </a:extLst>
+          </p:cNvPr>
+          <p:cNvCxnSpPr>
+            <a:cxnSpLocks/>
+          </p:cNvCxnSpPr>
+          <p:nvPr/>
+        </p:nvCxnSpPr>
+        <p:spPr>
+          <a:xfrm>
+            <a:off x="10958251" y="3281973"/>
+            <a:ext cx="740413" cy="0"/>
+          </a:xfrm>
+          <a:prstGeom prst="straightConnector1">
+            <a:avLst/>
+          </a:prstGeom>
+          <a:ln w="19050">
+            <a:solidFill>
+              <a:schemeClr val="tx1"/>
+            </a:solidFill>
+            <a:prstDash val="solid"/>
+            <a:tailEnd type="triangle"/>
+          </a:ln>
+        </p:spPr>
+        <p:style>
+          <a:lnRef idx="1">
+            <a:schemeClr val="accent1"/>
+          </a:lnRef>
+          <a:fillRef idx="0">
+            <a:schemeClr val="accent1"/>
+          </a:fillRef>
+          <a:effectRef idx="0">
+            <a:schemeClr val="accent1"/>
+          </a:effectRef>
+          <a:fontRef idx="minor">
+            <a:schemeClr val="tx1"/>
+          </a:fontRef>
+        </p:style>
+      </p:cxnSp>
+      <p:cxnSp>
+        <p:nvCxnSpPr>
+          <p:cNvPr id="66" name="Connettore 2 65">
+            <a:extLst>
+              <a:ext uri="{FF2B5EF4-FFF2-40B4-BE49-F238E27FC236}">
+                <a16:creationId xmlns:a16="http://schemas.microsoft.com/office/drawing/2014/main" id="{E1786D5D-BF76-45BC-9786-59AC155EA493}"/>
+              </a:ext>
+            </a:extLst>
+          </p:cNvPr>
+          <p:cNvCxnSpPr>
+            <a:cxnSpLocks/>
+          </p:cNvCxnSpPr>
+          <p:nvPr/>
+        </p:nvCxnSpPr>
+        <p:spPr>
+          <a:xfrm>
+            <a:off x="10531252" y="3273271"/>
+            <a:ext cx="286251" cy="0"/>
+          </a:xfrm>
+          <a:prstGeom prst="straightConnector1">
+            <a:avLst/>
+          </a:prstGeom>
+          <a:ln w="19050">
+            <a:solidFill>
+              <a:schemeClr val="tx1"/>
+            </a:solidFill>
+            <a:prstDash val="dash"/>
+            <a:tailEnd type="triangle"/>
+          </a:ln>
+        </p:spPr>
+        <p:style>
+          <a:lnRef idx="1">
+            <a:schemeClr val="accent1"/>
+          </a:lnRef>
+          <a:fillRef idx="0">
+            <a:schemeClr val="accent1"/>
+          </a:fillRef>
+          <a:effectRef idx="0">
+            <a:schemeClr val="accent1"/>
+          </a:effectRef>
+          <a:fontRef idx="minor">
+            <a:schemeClr val="tx1"/>
+          </a:fontRef>
+        </p:style>
+      </p:cxnSp>
+      <p:cxnSp>
+        <p:nvCxnSpPr>
+          <p:cNvPr id="69" name="Connettore a gomito 68">
+            <a:extLst>
+              <a:ext uri="{FF2B5EF4-FFF2-40B4-BE49-F238E27FC236}">
+                <a16:creationId xmlns:a16="http://schemas.microsoft.com/office/drawing/2014/main" id="{3E19FB62-9FA6-45C5-84F0-9AF7EA8256A1}"/>
+              </a:ext>
+            </a:extLst>
+          </p:cNvPr>
+          <p:cNvCxnSpPr>
+            <a:cxnSpLocks/>
+          </p:cNvCxnSpPr>
+          <p:nvPr/>
+        </p:nvCxnSpPr>
+        <p:spPr>
+          <a:xfrm>
+            <a:off x="8633228" y="3281973"/>
+            <a:ext cx="2193702" cy="527334"/>
+          </a:xfrm>
+          <a:prstGeom prst="bentConnector3">
+            <a:avLst>
+              <a:gd name="adj1" fmla="val 582"/>
+            </a:avLst>
+          </a:prstGeom>
+          <a:ln w="19050">
+            <a:solidFill>
+              <a:schemeClr val="tx1"/>
+            </a:solidFill>
+            <a:prstDash val="dash"/>
+            <a:headEnd type="none" w="med" len="med"/>
+            <a:tailEnd type="none" w="med" len="med"/>
+          </a:ln>
+        </p:spPr>
+        <p:style>
+          <a:lnRef idx="1">
+            <a:schemeClr val="accent1"/>
+          </a:lnRef>
+          <a:fillRef idx="0">
+            <a:schemeClr val="accent1"/>
+          </a:fillRef>
+          <a:effectRef idx="0">
+            <a:schemeClr val="accent1"/>
+          </a:effectRef>
+          <a:fontRef idx="minor">
+            <a:schemeClr val="tx1"/>
+          </a:fontRef>
+        </p:style>
+      </p:cxnSp>
+      <p:cxnSp>
+        <p:nvCxnSpPr>
+          <p:cNvPr id="79" name="Connettore 2 78">
+            <a:extLst>
+              <a:ext uri="{FF2B5EF4-FFF2-40B4-BE49-F238E27FC236}">
+                <a16:creationId xmlns:a16="http://schemas.microsoft.com/office/drawing/2014/main" id="{ED70F552-F85A-4446-B556-703088FCAFCA}"/>
+              </a:ext>
+            </a:extLst>
+          </p:cNvPr>
+          <p:cNvCxnSpPr>
+            <a:cxnSpLocks/>
+          </p:cNvCxnSpPr>
+          <p:nvPr/>
+        </p:nvCxnSpPr>
+        <p:spPr>
+          <a:xfrm flipV="1">
+            <a:off x="10869852" y="3361563"/>
+            <a:ext cx="0" cy="447744"/>
+          </a:xfrm>
+          <a:prstGeom prst="straightConnector1">
+            <a:avLst/>
+          </a:prstGeom>
+          <a:ln w="19050">
+            <a:solidFill>
+              <a:schemeClr val="tx1"/>
+            </a:solidFill>
+            <a:prstDash val="dash"/>
+            <a:tailEnd type="triangle"/>
+          </a:ln>
+        </p:spPr>
+        <p:style>
+          <a:lnRef idx="1">
+            <a:schemeClr val="accent1"/>
+          </a:lnRef>
+          <a:fillRef idx="0">
+            <a:schemeClr val="accent1"/>
+          </a:fillRef>
+          <a:effectRef idx="0">
+            <a:schemeClr val="accent1"/>
+          </a:effectRef>
+          <a:fontRef idx="minor">
+            <a:schemeClr val="tx1"/>
+          </a:fontRef>
+        </p:style>
+      </p:cxnSp>
+      <p:sp>
+        <p:nvSpPr>
+          <p:cNvPr id="86" name="Rettangolo 85">
+            <a:extLst>
+              <a:ext uri="{FF2B5EF4-FFF2-40B4-BE49-F238E27FC236}">
+                <a16:creationId xmlns:a16="http://schemas.microsoft.com/office/drawing/2014/main" id="{56C4B3D9-A507-46B8-B330-30E0AA22DD70}"/>
+              </a:ext>
+            </a:extLst>
+          </p:cNvPr>
+          <p:cNvSpPr/>
+          <p:nvPr/>
+        </p:nvSpPr>
+        <p:spPr>
+          <a:xfrm>
+            <a:off x="1506021" y="4273823"/>
+            <a:ext cx="6991018" cy="431026"/>
+          </a:xfrm>
+          <a:prstGeom prst="rect">
+            <a:avLst/>
+          </a:prstGeom>
+          <a:solidFill>
+            <a:schemeClr val="bg1"/>
+          </a:solidFill>
+          <a:ln>
+            <a:solidFill>
+              <a:schemeClr val="tx1"/>
+            </a:solidFill>
+          </a:ln>
+        </p:spPr>
+        <p:style>
+          <a:lnRef idx="2">
+            <a:schemeClr val="accent1">
+              <a:shade val="50000"/>
+            </a:schemeClr>
+          </a:lnRef>
+          <a:fillRef idx="1">
+            <a:schemeClr val="accent1"/>
+          </a:fillRef>
+          <a:effectRef idx="0">
+            <a:schemeClr val="accent1"/>
+          </a:effectRef>
+          <a:fontRef idx="minor">
+            <a:schemeClr val="lt1"/>
+          </a:fontRef>
+        </p:style>
+        <p:txBody>
+          <a:bodyPr rtlCol="0" anchor="ctr"/>
+          <a:lstStyle/>
+          <a:p>
+            <a:r>
+              <a:rPr lang="it-IT" sz="1600" dirty="0">
+                <a:solidFill>
+                  <a:schemeClr val="tx1"/>
+                </a:solidFill>
+              </a:rPr>
+              <a:t> </a:t>
+            </a:r>
+            <a:r>
+              <a:rPr lang="it-IT" sz="1600" dirty="0" err="1">
+                <a:solidFill>
+                  <a:schemeClr val="tx1"/>
+                </a:solidFill>
+              </a:rPr>
+              <a:t>Responder</a:t>
+            </a:r>
+            <a:endParaRPr lang="it-IT" sz="1600" dirty="0">
+              <a:solidFill>
+                <a:schemeClr val="tx1"/>
+              </a:solidFill>
+            </a:endParaRPr>
+          </a:p>
+        </p:txBody>
+      </p:sp>
+      <p:sp>
+        <p:nvSpPr>
+          <p:cNvPr id="87" name="Rettangolo 86">
+            <a:extLst>
+              <a:ext uri="{FF2B5EF4-FFF2-40B4-BE49-F238E27FC236}">
+                <a16:creationId xmlns:a16="http://schemas.microsoft.com/office/drawing/2014/main" id="{78AE7EED-B0B8-4BFE-88E9-A8A1F97C42BA}"/>
+              </a:ext>
+            </a:extLst>
+          </p:cNvPr>
+          <p:cNvSpPr/>
+          <p:nvPr/>
+        </p:nvSpPr>
+        <p:spPr>
+          <a:xfrm>
+            <a:off x="1519193" y="4913248"/>
+            <a:ext cx="6991018" cy="431026"/>
+          </a:xfrm>
+          <a:prstGeom prst="rect">
+            <a:avLst/>
+          </a:prstGeom>
+          <a:solidFill>
+            <a:schemeClr val="bg1"/>
+          </a:solidFill>
+          <a:ln>
+            <a:solidFill>
+              <a:schemeClr val="tx1"/>
+            </a:solidFill>
+          </a:ln>
+        </p:spPr>
+        <p:style>
+          <a:lnRef idx="2">
+            <a:schemeClr val="accent1">
+              <a:shade val="50000"/>
+            </a:schemeClr>
+          </a:lnRef>
+          <a:fillRef idx="1">
+            <a:schemeClr val="accent1"/>
+          </a:fillRef>
+          <a:effectRef idx="0">
+            <a:schemeClr val="accent1"/>
+          </a:effectRef>
+          <a:fontRef idx="minor">
+            <a:schemeClr val="lt1"/>
+          </a:fontRef>
+        </p:style>
+        <p:txBody>
+          <a:bodyPr rtlCol="0" anchor="ctr"/>
+          <a:lstStyle/>
+          <a:p>
+            <a:r>
+              <a:rPr lang="it-IT" sz="1600" dirty="0">
+                <a:solidFill>
+                  <a:schemeClr val="tx1"/>
+                </a:solidFill>
+              </a:rPr>
+              <a:t> </a:t>
+            </a:r>
+            <a:r>
+              <a:rPr lang="it-IT" sz="1600" dirty="0" err="1">
+                <a:solidFill>
+                  <a:schemeClr val="tx1"/>
+                </a:solidFill>
+              </a:rPr>
+              <a:t>Responder</a:t>
+            </a:r>
+            <a:endParaRPr lang="it-IT" sz="1600" dirty="0">
+              <a:solidFill>
+                <a:schemeClr val="tx1"/>
+              </a:solidFill>
+            </a:endParaRPr>
+          </a:p>
+        </p:txBody>
+      </p:sp>
+    </p:spTree>
+    <p:extLst>
+      <p:ext uri="{BB962C8B-B14F-4D97-AF65-F5344CB8AC3E}">
+        <p14:creationId xmlns:p14="http://schemas.microsoft.com/office/powerpoint/2010/main" val="1928426686"/>
+      </p:ext>
+    </p:extLst>
+  </p:cSld>
+  <p:clrMapOvr>
+    <a:masterClrMapping/>
+  </p:clrMapOvr>
+</p:sld>
+</file>
+
+<file path=ppt/slides/slide8.xml><?xml version="1.0" encoding="utf-8"?>
+<p:sld xmlns:a="http://schemas.openxmlformats.org/drawingml/2006/main" xmlns:r="http://schemas.openxmlformats.org/officeDocument/2006/relationships" xmlns:p="http://schemas.openxmlformats.org/presentationml/2006/main">
+  <p:cSld>
+    <p:spTree>
+      <p:nvGrpSpPr>
+        <p:cNvPr id="1" name=""/>
+        <p:cNvGrpSpPr/>
+        <p:nvPr/>
+      </p:nvGrpSpPr>
+      <p:grpSpPr>
+        <a:xfrm>
+          <a:off x="0" y="0"/>
+          <a:ext cx="0" cy="0"/>
+          <a:chOff x="0" y="0"/>
+          <a:chExt cx="0" cy="0"/>
+        </a:xfrm>
+      </p:grpSpPr>
+      <p:sp>
+        <p:nvSpPr>
+          <p:cNvPr id="2" name="Titolo 1">
+            <a:extLst>
+              <a:ext uri="{FF2B5EF4-FFF2-40B4-BE49-F238E27FC236}">
+                <a16:creationId xmlns:a16="http://schemas.microsoft.com/office/drawing/2014/main" id="{1263516D-1BAC-4EAD-BA11-CD4B92BF7154}"/>
+              </a:ext>
+            </a:extLst>
+          </p:cNvPr>
+          <p:cNvSpPr>
+            <a:spLocks noGrp="1"/>
+          </p:cNvSpPr>
+          <p:nvPr>
+            <p:ph type="title"/>
+          </p:nvPr>
+        </p:nvSpPr>
+        <p:spPr/>
+        <p:txBody>
+          <a:bodyPr/>
+          <a:lstStyle/>
+          <a:p>
+            <a:r>
+              <a:rPr lang="it-IT" dirty="0"/>
+              <a:t>Data flow (</a:t>
+            </a:r>
+            <a:r>
+              <a:rPr lang="it-IT" dirty="0" err="1"/>
+              <a:t>process</a:t>
+            </a:r>
+            <a:r>
+              <a:rPr lang="it-IT" dirty="0"/>
+              <a:t> </a:t>
+            </a:r>
+            <a:r>
+              <a:rPr lang="it-IT" dirty="0" err="1"/>
+              <a:t>phase</a:t>
+            </a:r>
+            <a:r>
+              <a:rPr lang="it-IT" dirty="0"/>
+              <a:t>)</a:t>
+            </a:r>
+          </a:p>
+        </p:txBody>
+      </p:sp>
+      <p:sp>
+        <p:nvSpPr>
+          <p:cNvPr id="4" name="Rettangolo 3">
+            <a:extLst>
+              <a:ext uri="{FF2B5EF4-FFF2-40B4-BE49-F238E27FC236}">
+                <a16:creationId xmlns:a16="http://schemas.microsoft.com/office/drawing/2014/main" id="{C6B0934D-1F04-433F-A47B-6C0948E27D68}"/>
+              </a:ext>
+            </a:extLst>
+          </p:cNvPr>
+          <p:cNvSpPr/>
+          <p:nvPr/>
+        </p:nvSpPr>
+        <p:spPr>
+          <a:xfrm>
+            <a:off x="2265953" y="2690497"/>
+            <a:ext cx="1341276" cy="431044"/>
+          </a:xfrm>
+          <a:prstGeom prst="rect">
+            <a:avLst/>
+          </a:prstGeom>
+          <a:solidFill>
+            <a:schemeClr val="bg1"/>
+          </a:solidFill>
+          <a:ln>
+            <a:solidFill>
+              <a:schemeClr val="tx1"/>
+            </a:solidFill>
+          </a:ln>
+        </p:spPr>
+        <p:style>
+          <a:lnRef idx="2">
+            <a:schemeClr val="accent1">
+              <a:shade val="50000"/>
+            </a:schemeClr>
+          </a:lnRef>
+          <a:fillRef idx="1">
+            <a:schemeClr val="accent1"/>
+          </a:fillRef>
+          <a:effectRef idx="0">
+            <a:schemeClr val="accent1"/>
+          </a:effectRef>
+          <a:fontRef idx="minor">
+            <a:schemeClr val="lt1"/>
+          </a:fontRef>
+        </p:style>
+        <p:txBody>
+          <a:bodyPr rtlCol="0" anchor="ctr"/>
+          <a:lstStyle/>
+          <a:p>
+            <a:pPr algn="ctr"/>
+            <a:r>
+              <a:rPr lang="it-IT" dirty="0">
+                <a:solidFill>
+                  <a:sysClr val="windowText" lastClr="000000"/>
+                </a:solidFill>
+              </a:rPr>
+              <a:t>Token</a:t>
+            </a:r>
+          </a:p>
+        </p:txBody>
+      </p:sp>
+      <p:sp>
+        <p:nvSpPr>
+          <p:cNvPr id="5" name="Rettangolo 4">
+            <a:extLst>
+              <a:ext uri="{FF2B5EF4-FFF2-40B4-BE49-F238E27FC236}">
+                <a16:creationId xmlns:a16="http://schemas.microsoft.com/office/drawing/2014/main" id="{23C620B4-1813-4699-A7A3-766B085E2EC8}"/>
+              </a:ext>
+            </a:extLst>
+          </p:cNvPr>
+          <p:cNvSpPr/>
+          <p:nvPr/>
+        </p:nvSpPr>
+        <p:spPr>
+          <a:xfrm>
+            <a:off x="1304419" y="2006778"/>
+            <a:ext cx="2302810" cy="431044"/>
+          </a:xfrm>
+          <a:prstGeom prst="rect">
+            <a:avLst/>
+          </a:prstGeom>
+          <a:solidFill>
+            <a:schemeClr val="bg1"/>
+          </a:solidFill>
+          <a:ln>
+            <a:solidFill>
+              <a:schemeClr val="tx1"/>
+            </a:solidFill>
+          </a:ln>
+        </p:spPr>
+        <p:style>
+          <a:lnRef idx="2">
+            <a:schemeClr val="accent1">
+              <a:shade val="50000"/>
+            </a:schemeClr>
+          </a:lnRef>
+          <a:fillRef idx="1">
+            <a:schemeClr val="accent1"/>
+          </a:fillRef>
+          <a:effectRef idx="0">
+            <a:schemeClr val="accent1"/>
+          </a:effectRef>
+          <a:fontRef idx="minor">
+            <a:schemeClr val="lt1"/>
+          </a:fontRef>
+        </p:style>
+        <p:txBody>
+          <a:bodyPr rtlCol="0" anchor="ctr"/>
+          <a:lstStyle/>
+          <a:p>
+            <a:pPr algn="ctr"/>
+            <a:r>
+              <a:rPr lang="it-IT" dirty="0" err="1">
+                <a:solidFill>
+                  <a:sysClr val="windowText" lastClr="000000"/>
+                </a:solidFill>
+              </a:rPr>
+              <a:t>Request</a:t>
+            </a:r>
+            <a:r>
+              <a:rPr lang="it-IT" dirty="0">
+                <a:solidFill>
+                  <a:sysClr val="windowText" lastClr="000000"/>
+                </a:solidFill>
+              </a:rPr>
+              <a:t> </a:t>
+            </a:r>
+            <a:r>
+              <a:rPr lang="it-IT" dirty="0" err="1">
+                <a:solidFill>
+                  <a:sysClr val="windowText" lastClr="000000"/>
+                </a:solidFill>
+              </a:rPr>
+              <a:t>parameters</a:t>
+            </a:r>
+            <a:endParaRPr lang="it-IT" dirty="0">
+              <a:solidFill>
+                <a:sysClr val="windowText" lastClr="000000"/>
+              </a:solidFill>
+            </a:endParaRPr>
+          </a:p>
+        </p:txBody>
+      </p:sp>
+      <p:grpSp>
+        <p:nvGrpSpPr>
+          <p:cNvPr id="12" name="Gruppo 11">
+            <a:extLst>
+              <a:ext uri="{FF2B5EF4-FFF2-40B4-BE49-F238E27FC236}">
+                <a16:creationId xmlns:a16="http://schemas.microsoft.com/office/drawing/2014/main" id="{0755C7F6-A9B2-4BB3-996A-C8781AAC17E3}"/>
+              </a:ext>
+            </a:extLst>
+          </p:cNvPr>
+          <p:cNvGrpSpPr/>
+          <p:nvPr/>
+        </p:nvGrpSpPr>
+        <p:grpSpPr>
+          <a:xfrm>
+            <a:off x="1073203" y="3704005"/>
+            <a:ext cx="1270732" cy="1168250"/>
+            <a:chOff x="992695" y="4987566"/>
+            <a:chExt cx="1270732" cy="1168250"/>
+          </a:xfrm>
+        </p:grpSpPr>
+        <p:pic>
+          <p:nvPicPr>
+            <p:cNvPr id="10" name="Immagine 9" descr="Immagine che contiene boccale&#10;&#10;Descrizione generata automaticamente">
+              <a:extLst>
+                <a:ext uri="{FF2B5EF4-FFF2-40B4-BE49-F238E27FC236}">
+                  <a16:creationId xmlns:a16="http://schemas.microsoft.com/office/drawing/2014/main" id="{07621EC2-2640-4353-9F48-0E70BB68B81C}"/>
+                </a:ext>
+              </a:extLst>
+            </p:cNvPr>
+            <p:cNvPicPr>
+              <a:picLocks noChangeAspect="1"/>
+            </p:cNvPicPr>
+            <p:nvPr/>
+          </p:nvPicPr>
+          <p:blipFill>
+            <a:blip r:embed="rId2">
+              <a:extLst>
+                <a:ext uri="{28A0092B-C50C-407E-A947-70E740481C1C}">
+                  <a14:useLocalDpi xmlns:a14="http://schemas.microsoft.com/office/drawing/2010/main" val="0"/>
+                </a:ext>
+              </a:extLst>
+            </a:blip>
+            <a:stretch>
+              <a:fillRect/>
+            </a:stretch>
+          </p:blipFill>
+          <p:spPr>
+            <a:xfrm>
+              <a:off x="1278039" y="4987566"/>
+              <a:ext cx="645030" cy="645030"/>
+            </a:xfrm>
+            <a:prstGeom prst="rect">
+              <a:avLst/>
+            </a:prstGeom>
+          </p:spPr>
+        </p:pic>
+        <p:sp>
+          <p:nvSpPr>
+            <p:cNvPr id="11" name="CasellaDiTesto 10">
+              <a:extLst>
+                <a:ext uri="{FF2B5EF4-FFF2-40B4-BE49-F238E27FC236}">
+                  <a16:creationId xmlns:a16="http://schemas.microsoft.com/office/drawing/2014/main" id="{DDB249A3-4676-4F77-B8B8-E6EA7C781810}"/>
+                </a:ext>
+              </a:extLst>
+            </p:cNvPr>
+            <p:cNvSpPr txBox="1"/>
+            <p:nvPr/>
+          </p:nvSpPr>
+          <p:spPr>
+            <a:xfrm>
+              <a:off x="992695" y="5632596"/>
+              <a:ext cx="1270732" cy="523220"/>
+            </a:xfrm>
+            <a:prstGeom prst="rect">
+              <a:avLst/>
+            </a:prstGeom>
+            <a:noFill/>
+          </p:spPr>
+          <p:txBody>
+            <a:bodyPr wrap="none" rtlCol="0">
+              <a:spAutoFit/>
+            </a:bodyPr>
+            <a:lstStyle/>
+            <a:p>
+              <a:pPr algn="ctr"/>
+              <a:r>
+                <a:rPr lang="it-IT" sz="1400" dirty="0"/>
+                <a:t>Storage</a:t>
+              </a:r>
+            </a:p>
+            <a:p>
+              <a:pPr algn="ctr"/>
+              <a:r>
+                <a:rPr lang="it-IT" sz="1400" dirty="0"/>
+                <a:t>(</a:t>
+              </a:r>
+              <a:r>
+                <a:rPr lang="it-IT" sz="1400" dirty="0" err="1"/>
+                <a:t>physical</a:t>
+              </a:r>
+              <a:r>
+                <a:rPr lang="it-IT" sz="1400" dirty="0"/>
+                <a:t> </a:t>
+              </a:r>
+              <a:r>
+                <a:rPr lang="it-IT" sz="1400" dirty="0" err="1"/>
+                <a:t>layer</a:t>
+              </a:r>
+              <a:r>
+                <a:rPr lang="it-IT" sz="1400" dirty="0"/>
+                <a:t>)</a:t>
+              </a:r>
+            </a:p>
+          </p:txBody>
+        </p:sp>
+      </p:grpSp>
+      <p:sp>
+        <p:nvSpPr>
+          <p:cNvPr id="14" name="Rettangolo 13">
+            <a:extLst>
+              <a:ext uri="{FF2B5EF4-FFF2-40B4-BE49-F238E27FC236}">
+                <a16:creationId xmlns:a16="http://schemas.microsoft.com/office/drawing/2014/main" id="{328DB39D-FD3F-4A03-938F-4D0AB3CBB81B}"/>
+              </a:ext>
+            </a:extLst>
+          </p:cNvPr>
+          <p:cNvSpPr/>
+          <p:nvPr/>
+        </p:nvSpPr>
+        <p:spPr>
+          <a:xfrm>
+            <a:off x="2865882" y="3704005"/>
+            <a:ext cx="1870592" cy="645019"/>
+          </a:xfrm>
+          <a:prstGeom prst="rect">
+            <a:avLst/>
+          </a:prstGeom>
+          <a:solidFill>
+            <a:schemeClr val="bg1"/>
+          </a:solidFill>
+          <a:ln>
+            <a:solidFill>
+              <a:schemeClr val="tx1"/>
+            </a:solidFill>
+          </a:ln>
+        </p:spPr>
+        <p:style>
+          <a:lnRef idx="2">
+            <a:schemeClr val="accent1">
+              <a:shade val="50000"/>
+            </a:schemeClr>
+          </a:lnRef>
+          <a:fillRef idx="1">
+            <a:schemeClr val="accent1"/>
+          </a:fillRef>
+          <a:effectRef idx="0">
+            <a:schemeClr val="accent1"/>
+          </a:effectRef>
+          <a:fontRef idx="minor">
+            <a:schemeClr val="lt1"/>
+          </a:fontRef>
+        </p:style>
+        <p:txBody>
+          <a:bodyPr rtlCol="0" anchor="ctr"/>
+          <a:lstStyle/>
+          <a:p>
+            <a:pPr algn="ctr"/>
+            <a:r>
+              <a:rPr lang="it-IT" dirty="0">
+                <a:solidFill>
+                  <a:sysClr val="windowText" lastClr="000000"/>
+                </a:solidFill>
+              </a:rPr>
+              <a:t>Data provider</a:t>
+            </a:r>
+          </a:p>
+          <a:p>
+            <a:pPr algn="ctr"/>
+            <a:r>
+              <a:rPr lang="it-IT" sz="1600" dirty="0">
+                <a:solidFill>
+                  <a:sysClr val="windowText" lastClr="000000"/>
+                </a:solidFill>
+              </a:rPr>
+              <a:t>(</a:t>
+            </a:r>
+            <a:r>
+              <a:rPr lang="it-IT" sz="1600" dirty="0" err="1">
+                <a:solidFill>
+                  <a:sysClr val="windowText" lastClr="000000"/>
+                </a:solidFill>
+              </a:rPr>
+              <a:t>logical</a:t>
+            </a:r>
+            <a:r>
+              <a:rPr lang="it-IT" sz="1600" dirty="0">
+                <a:solidFill>
+                  <a:sysClr val="windowText" lastClr="000000"/>
+                </a:solidFill>
+              </a:rPr>
+              <a:t> </a:t>
+            </a:r>
+            <a:r>
+              <a:rPr lang="it-IT" sz="1600" dirty="0" err="1">
+                <a:solidFill>
+                  <a:sysClr val="windowText" lastClr="000000"/>
+                </a:solidFill>
+              </a:rPr>
+              <a:t>layer</a:t>
+            </a:r>
+            <a:r>
+              <a:rPr lang="it-IT" sz="1600" dirty="0">
+                <a:solidFill>
+                  <a:sysClr val="windowText" lastClr="000000"/>
+                </a:solidFill>
+              </a:rPr>
+              <a:t>)</a:t>
+            </a:r>
+          </a:p>
+        </p:txBody>
+      </p:sp>
+      <p:sp>
+        <p:nvSpPr>
+          <p:cNvPr id="15" name="Rettangolo 14">
+            <a:extLst>
+              <a:ext uri="{FF2B5EF4-FFF2-40B4-BE49-F238E27FC236}">
+                <a16:creationId xmlns:a16="http://schemas.microsoft.com/office/drawing/2014/main" id="{751651F9-ED23-4DDF-98A8-4293F04787F9}"/>
+              </a:ext>
+            </a:extLst>
+          </p:cNvPr>
+          <p:cNvSpPr/>
+          <p:nvPr/>
+        </p:nvSpPr>
+        <p:spPr>
+          <a:xfrm>
+            <a:off x="5635674" y="3643065"/>
+            <a:ext cx="2379640" cy="1109899"/>
+          </a:xfrm>
+          <a:prstGeom prst="rect">
+            <a:avLst/>
+          </a:prstGeom>
+          <a:solidFill>
+            <a:schemeClr val="bg1"/>
+          </a:solidFill>
+          <a:ln>
+            <a:solidFill>
+              <a:schemeClr val="tx1"/>
+            </a:solidFill>
+          </a:ln>
+        </p:spPr>
+        <p:style>
+          <a:lnRef idx="2">
+            <a:schemeClr val="accent1">
+              <a:shade val="50000"/>
+            </a:schemeClr>
+          </a:lnRef>
+          <a:fillRef idx="1">
+            <a:schemeClr val="accent1"/>
+          </a:fillRef>
+          <a:effectRef idx="0">
+            <a:schemeClr val="accent1"/>
+          </a:effectRef>
+          <a:fontRef idx="minor">
+            <a:schemeClr val="lt1"/>
+          </a:fontRef>
+        </p:style>
+        <p:txBody>
+          <a:bodyPr rtlCol="0" anchor="ctr"/>
+          <a:lstStyle/>
+          <a:p>
+            <a:pPr algn="ctr"/>
+            <a:r>
+              <a:rPr lang="it-IT" dirty="0">
+                <a:solidFill>
+                  <a:sysClr val="windowText" lastClr="000000"/>
+                </a:solidFill>
+              </a:rPr>
+              <a:t>Secure data provider</a:t>
+            </a:r>
+          </a:p>
+          <a:p>
+            <a:pPr algn="ctr"/>
+            <a:r>
+              <a:rPr lang="it-IT" sz="1600" dirty="0">
+                <a:solidFill>
+                  <a:sysClr val="windowText" lastClr="000000"/>
+                </a:solidFill>
+              </a:rPr>
+              <a:t>(security </a:t>
+            </a:r>
+            <a:r>
+              <a:rPr lang="it-IT" sz="1600" dirty="0" err="1">
+                <a:solidFill>
+                  <a:sysClr val="windowText" lastClr="000000"/>
+                </a:solidFill>
+              </a:rPr>
+              <a:t>layer</a:t>
+            </a:r>
+            <a:r>
+              <a:rPr lang="it-IT" sz="1600" dirty="0">
+                <a:solidFill>
+                  <a:sysClr val="windowText" lastClr="000000"/>
+                </a:solidFill>
+              </a:rPr>
+              <a:t>)</a:t>
+            </a:r>
+          </a:p>
+          <a:p>
+            <a:pPr algn="ctr"/>
+            <a:endParaRPr lang="it-IT" sz="1600" dirty="0">
+              <a:solidFill>
+                <a:sysClr val="windowText" lastClr="000000"/>
+              </a:solidFill>
+            </a:endParaRPr>
+          </a:p>
+          <a:p>
+            <a:pPr algn="ctr"/>
+            <a:endParaRPr lang="it-IT" sz="1600" dirty="0">
+              <a:solidFill>
+                <a:sysClr val="windowText" lastClr="000000"/>
+              </a:solidFill>
+            </a:endParaRPr>
+          </a:p>
+        </p:txBody>
+      </p:sp>
+      <p:cxnSp>
+        <p:nvCxnSpPr>
+          <p:cNvPr id="17" name="Connettore 2 16">
+            <a:extLst>
+              <a:ext uri="{FF2B5EF4-FFF2-40B4-BE49-F238E27FC236}">
+                <a16:creationId xmlns:a16="http://schemas.microsoft.com/office/drawing/2014/main" id="{4D7E29DE-7BFB-49B3-AA88-3E23DF33A2B1}"/>
+              </a:ext>
+            </a:extLst>
+          </p:cNvPr>
+          <p:cNvCxnSpPr/>
+          <p:nvPr/>
+        </p:nvCxnSpPr>
+        <p:spPr>
+          <a:xfrm flipH="1">
+            <a:off x="2080299" y="3989702"/>
+            <a:ext cx="645030" cy="0"/>
+          </a:xfrm>
+          <a:prstGeom prst="straightConnector1">
+            <a:avLst/>
+          </a:prstGeom>
+          <a:ln>
+            <a:solidFill>
+              <a:schemeClr val="tx1"/>
+            </a:solidFill>
+            <a:tailEnd type="triangle"/>
+          </a:ln>
+        </p:spPr>
+        <p:style>
+          <a:lnRef idx="1">
+            <a:schemeClr val="accent1"/>
+          </a:lnRef>
+          <a:fillRef idx="0">
+            <a:schemeClr val="accent1"/>
+          </a:fillRef>
+          <a:effectRef idx="0">
+            <a:schemeClr val="accent1"/>
+          </a:effectRef>
+          <a:fontRef idx="minor">
+            <a:schemeClr val="tx1"/>
+          </a:fontRef>
+        </p:style>
+      </p:cxnSp>
+      <p:cxnSp>
+        <p:nvCxnSpPr>
+          <p:cNvPr id="18" name="Connettore 2 17">
+            <a:extLst>
+              <a:ext uri="{FF2B5EF4-FFF2-40B4-BE49-F238E27FC236}">
+                <a16:creationId xmlns:a16="http://schemas.microsoft.com/office/drawing/2014/main" id="{F3F4BC93-6FBA-40C4-8184-DA86578BAF2C}"/>
+              </a:ext>
+            </a:extLst>
+          </p:cNvPr>
+          <p:cNvCxnSpPr/>
+          <p:nvPr/>
+        </p:nvCxnSpPr>
+        <p:spPr>
+          <a:xfrm flipH="1">
+            <a:off x="2080299" y="4091233"/>
+            <a:ext cx="645030" cy="0"/>
+          </a:xfrm>
+          <a:prstGeom prst="straightConnector1">
+            <a:avLst/>
+          </a:prstGeom>
+          <a:ln>
+            <a:solidFill>
+              <a:schemeClr val="tx1"/>
+            </a:solidFill>
+            <a:headEnd type="triangle" w="med" len="med"/>
+            <a:tailEnd type="none" w="med" len="med"/>
+          </a:ln>
+        </p:spPr>
+        <p:style>
+          <a:lnRef idx="1">
+            <a:schemeClr val="accent1"/>
+          </a:lnRef>
+          <a:fillRef idx="0">
+            <a:schemeClr val="accent1"/>
+          </a:fillRef>
+          <a:effectRef idx="0">
+            <a:schemeClr val="accent1"/>
+          </a:effectRef>
+          <a:fontRef idx="minor">
+            <a:schemeClr val="tx1"/>
+          </a:fontRef>
+        </p:style>
+      </p:cxnSp>
+      <p:cxnSp>
+        <p:nvCxnSpPr>
+          <p:cNvPr id="21" name="Connettore 2 20">
+            <a:extLst>
+              <a:ext uri="{FF2B5EF4-FFF2-40B4-BE49-F238E27FC236}">
+                <a16:creationId xmlns:a16="http://schemas.microsoft.com/office/drawing/2014/main" id="{6A444F86-C9FC-4961-8B87-17C286DBE915}"/>
+              </a:ext>
+            </a:extLst>
+          </p:cNvPr>
+          <p:cNvCxnSpPr/>
+          <p:nvPr/>
+        </p:nvCxnSpPr>
+        <p:spPr>
+          <a:xfrm flipH="1">
+            <a:off x="4863559" y="3975748"/>
+            <a:ext cx="645030" cy="0"/>
+          </a:xfrm>
+          <a:prstGeom prst="straightConnector1">
+            <a:avLst/>
+          </a:prstGeom>
+          <a:ln>
+            <a:solidFill>
+              <a:schemeClr val="tx1"/>
+            </a:solidFill>
+            <a:tailEnd type="triangle"/>
+          </a:ln>
+        </p:spPr>
+        <p:style>
+          <a:lnRef idx="1">
+            <a:schemeClr val="accent1"/>
+          </a:lnRef>
+          <a:fillRef idx="0">
+            <a:schemeClr val="accent1"/>
+          </a:fillRef>
+          <a:effectRef idx="0">
+            <a:schemeClr val="accent1"/>
+          </a:effectRef>
+          <a:fontRef idx="minor">
+            <a:schemeClr val="tx1"/>
+          </a:fontRef>
+        </p:style>
+      </p:cxnSp>
+      <p:cxnSp>
+        <p:nvCxnSpPr>
+          <p:cNvPr id="22" name="Connettore 2 21">
+            <a:extLst>
+              <a:ext uri="{FF2B5EF4-FFF2-40B4-BE49-F238E27FC236}">
+                <a16:creationId xmlns:a16="http://schemas.microsoft.com/office/drawing/2014/main" id="{DC28BDDD-26A1-4675-A171-719C1F45E303}"/>
+              </a:ext>
+            </a:extLst>
+          </p:cNvPr>
+          <p:cNvCxnSpPr/>
+          <p:nvPr/>
+        </p:nvCxnSpPr>
+        <p:spPr>
+          <a:xfrm flipH="1">
+            <a:off x="4863559" y="4077279"/>
+            <a:ext cx="645030" cy="0"/>
+          </a:xfrm>
+          <a:prstGeom prst="straightConnector1">
+            <a:avLst/>
+          </a:prstGeom>
+          <a:ln>
+            <a:solidFill>
+              <a:schemeClr val="tx1"/>
+            </a:solidFill>
+            <a:headEnd type="triangle" w="med" len="med"/>
+            <a:tailEnd type="none" w="med" len="med"/>
+          </a:ln>
+        </p:spPr>
+        <p:style>
+          <a:lnRef idx="1">
+            <a:schemeClr val="accent1"/>
+          </a:lnRef>
+          <a:fillRef idx="0">
+            <a:schemeClr val="accent1"/>
+          </a:fillRef>
+          <a:effectRef idx="0">
+            <a:schemeClr val="accent1"/>
+          </a:effectRef>
+          <a:fontRef idx="minor">
+            <a:schemeClr val="tx1"/>
+          </a:fontRef>
+        </p:style>
+      </p:cxnSp>
+      <p:sp>
+        <p:nvSpPr>
+          <p:cNvPr id="23" name="Rettangolo 22">
+            <a:extLst>
+              <a:ext uri="{FF2B5EF4-FFF2-40B4-BE49-F238E27FC236}">
+                <a16:creationId xmlns:a16="http://schemas.microsoft.com/office/drawing/2014/main" id="{7318D27A-E009-40E0-872B-AD911C723857}"/>
+              </a:ext>
+            </a:extLst>
+          </p:cNvPr>
+          <p:cNvSpPr/>
+          <p:nvPr/>
+        </p:nvSpPr>
+        <p:spPr>
+          <a:xfrm>
+            <a:off x="4420579" y="2705267"/>
+            <a:ext cx="2137919" cy="431044"/>
+          </a:xfrm>
+          <a:prstGeom prst="rect">
+            <a:avLst/>
+          </a:prstGeom>
+          <a:solidFill>
+            <a:schemeClr val="bg1"/>
+          </a:solidFill>
+          <a:ln>
+            <a:solidFill>
+              <a:schemeClr val="tx1"/>
+            </a:solidFill>
+          </a:ln>
+        </p:spPr>
+        <p:style>
+          <a:lnRef idx="2">
+            <a:schemeClr val="accent1">
+              <a:shade val="50000"/>
+            </a:schemeClr>
+          </a:lnRef>
+          <a:fillRef idx="1">
+            <a:schemeClr val="accent1"/>
+          </a:fillRef>
+          <a:effectRef idx="0">
+            <a:schemeClr val="accent1"/>
+          </a:effectRef>
+          <a:fontRef idx="minor">
+            <a:schemeClr val="lt1"/>
+          </a:fontRef>
+        </p:style>
+        <p:txBody>
+          <a:bodyPr rtlCol="0" anchor="ctr"/>
+          <a:lstStyle/>
+          <a:p>
+            <a:pPr algn="ctr"/>
+            <a:r>
+              <a:rPr lang="it-IT" dirty="0">
+                <a:solidFill>
+                  <a:sysClr val="windowText" lastClr="000000"/>
+                </a:solidFill>
+              </a:rPr>
+              <a:t>Sessions Manager</a:t>
+            </a:r>
+          </a:p>
+        </p:txBody>
+      </p:sp>
+      <p:cxnSp>
+        <p:nvCxnSpPr>
+          <p:cNvPr id="27" name="Connettore 2 26">
+            <a:extLst>
+              <a:ext uri="{FF2B5EF4-FFF2-40B4-BE49-F238E27FC236}">
+                <a16:creationId xmlns:a16="http://schemas.microsoft.com/office/drawing/2014/main" id="{516AAA9B-6FF3-41FD-8F97-229DA7D5313A}"/>
+              </a:ext>
+            </a:extLst>
+          </p:cNvPr>
+          <p:cNvCxnSpPr>
+            <a:cxnSpLocks/>
+          </p:cNvCxnSpPr>
+          <p:nvPr/>
+        </p:nvCxnSpPr>
+        <p:spPr>
+          <a:xfrm flipH="1">
+            <a:off x="3623445" y="2911027"/>
+            <a:ext cx="719955" cy="0"/>
+          </a:xfrm>
+          <a:prstGeom prst="straightConnector1">
+            <a:avLst/>
+          </a:prstGeom>
+          <a:ln>
+            <a:solidFill>
+              <a:schemeClr val="tx1"/>
+            </a:solidFill>
+            <a:headEnd type="triangle" w="med" len="med"/>
+            <a:tailEnd type="none" w="med" len="med"/>
+          </a:ln>
+        </p:spPr>
+        <p:style>
+          <a:lnRef idx="1">
+            <a:schemeClr val="accent1"/>
+          </a:lnRef>
+          <a:fillRef idx="0">
+            <a:schemeClr val="accent1"/>
+          </a:fillRef>
+          <a:effectRef idx="0">
+            <a:schemeClr val="accent1"/>
+          </a:effectRef>
+          <a:fontRef idx="minor">
+            <a:schemeClr val="tx1"/>
+          </a:fontRef>
+        </p:style>
+      </p:cxnSp>
+      <p:sp>
+        <p:nvSpPr>
+          <p:cNvPr id="29" name="Rettangolo 28">
+            <a:extLst>
+              <a:ext uri="{FF2B5EF4-FFF2-40B4-BE49-F238E27FC236}">
+                <a16:creationId xmlns:a16="http://schemas.microsoft.com/office/drawing/2014/main" id="{3EAA5821-A1FE-45D2-B09C-D1D48809B2B0}"/>
+              </a:ext>
+            </a:extLst>
+          </p:cNvPr>
+          <p:cNvSpPr/>
+          <p:nvPr/>
+        </p:nvSpPr>
+        <p:spPr>
+          <a:xfrm>
+            <a:off x="7005150" y="4373698"/>
+            <a:ext cx="872025" cy="280241"/>
+          </a:xfrm>
+          <a:prstGeom prst="rect">
+            <a:avLst/>
+          </a:prstGeom>
+          <a:solidFill>
+            <a:schemeClr val="bg1"/>
+          </a:solidFill>
+          <a:ln>
+            <a:solidFill>
+              <a:schemeClr val="tx1"/>
+            </a:solidFill>
+          </a:ln>
+        </p:spPr>
+        <p:style>
+          <a:lnRef idx="2">
+            <a:schemeClr val="accent1">
+              <a:shade val="50000"/>
+            </a:schemeClr>
+          </a:lnRef>
+          <a:fillRef idx="1">
+            <a:schemeClr val="accent1"/>
+          </a:fillRef>
+          <a:effectRef idx="0">
+            <a:schemeClr val="accent1"/>
+          </a:effectRef>
+          <a:fontRef idx="minor">
+            <a:schemeClr val="lt1"/>
+          </a:fontRef>
+        </p:style>
+        <p:txBody>
+          <a:bodyPr rtlCol="0" anchor="ctr"/>
+          <a:lstStyle/>
+          <a:p>
+            <a:pPr algn="ctr"/>
+            <a:r>
+              <a:rPr lang="it-IT" dirty="0">
+                <a:solidFill>
+                  <a:sysClr val="windowText" lastClr="000000"/>
+                </a:solidFill>
+              </a:rPr>
+              <a:t>Token</a:t>
+            </a:r>
+          </a:p>
+        </p:txBody>
+      </p:sp>
+      <p:cxnSp>
+        <p:nvCxnSpPr>
+          <p:cNvPr id="31" name="Connettore 2 30">
+            <a:extLst>
+              <a:ext uri="{FF2B5EF4-FFF2-40B4-BE49-F238E27FC236}">
+                <a16:creationId xmlns:a16="http://schemas.microsoft.com/office/drawing/2014/main" id="{C2C14223-D4F8-4E8C-943A-07AA3B6D4812}"/>
+              </a:ext>
+            </a:extLst>
+          </p:cNvPr>
+          <p:cNvCxnSpPr/>
+          <p:nvPr/>
+        </p:nvCxnSpPr>
+        <p:spPr>
+          <a:xfrm>
+            <a:off x="6115050" y="3136311"/>
+            <a:ext cx="0" cy="466164"/>
+          </a:xfrm>
+          <a:prstGeom prst="straightConnector1">
+            <a:avLst/>
+          </a:prstGeom>
+          <a:ln>
+            <a:solidFill>
+              <a:schemeClr val="tx1"/>
+            </a:solidFill>
+            <a:tailEnd type="triangle"/>
+          </a:ln>
+        </p:spPr>
+        <p:style>
+          <a:lnRef idx="1">
+            <a:schemeClr val="accent1"/>
+          </a:lnRef>
+          <a:fillRef idx="0">
+            <a:schemeClr val="accent1"/>
+          </a:fillRef>
+          <a:effectRef idx="0">
+            <a:schemeClr val="accent1"/>
+          </a:effectRef>
+          <a:fontRef idx="minor">
+            <a:schemeClr val="tx1"/>
+          </a:fontRef>
+        </p:style>
+      </p:cxnSp>
+      <p:cxnSp>
+        <p:nvCxnSpPr>
+          <p:cNvPr id="33" name="Connettore a gomito 32">
+            <a:extLst>
+              <a:ext uri="{FF2B5EF4-FFF2-40B4-BE49-F238E27FC236}">
+                <a16:creationId xmlns:a16="http://schemas.microsoft.com/office/drawing/2014/main" id="{484B8523-45A2-4679-9C70-07013C2BF743}"/>
+              </a:ext>
+            </a:extLst>
+          </p:cNvPr>
+          <p:cNvCxnSpPr>
+            <a:cxnSpLocks/>
+            <a:stCxn id="5" idx="3"/>
+          </p:cNvCxnSpPr>
+          <p:nvPr/>
+        </p:nvCxnSpPr>
+        <p:spPr>
+          <a:xfrm>
+            <a:off x="3607229" y="2222300"/>
+            <a:ext cx="3833933" cy="1380175"/>
+          </a:xfrm>
+          <a:prstGeom prst="bentConnector3">
+            <a:avLst>
+              <a:gd name="adj1" fmla="val 99936"/>
+            </a:avLst>
+          </a:prstGeom>
+          <a:ln>
+            <a:solidFill>
+              <a:schemeClr val="tx1"/>
+            </a:solidFill>
+            <a:tailEnd type="triangle"/>
+          </a:ln>
+        </p:spPr>
+        <p:style>
+          <a:lnRef idx="1">
+            <a:schemeClr val="accent1"/>
+          </a:lnRef>
+          <a:fillRef idx="0">
+            <a:schemeClr val="accent1"/>
+          </a:fillRef>
+          <a:effectRef idx="0">
+            <a:schemeClr val="accent1"/>
+          </a:effectRef>
+          <a:fontRef idx="minor">
+            <a:schemeClr val="tx1"/>
+          </a:fontRef>
+        </p:style>
+      </p:cxnSp>
+      <p:sp>
+        <p:nvSpPr>
+          <p:cNvPr id="38" name="Rettangolo 37">
+            <a:extLst>
+              <a:ext uri="{FF2B5EF4-FFF2-40B4-BE49-F238E27FC236}">
+                <a16:creationId xmlns:a16="http://schemas.microsoft.com/office/drawing/2014/main" id="{23C52FA0-CF7A-4E73-AB72-5DD39BB647C2}"/>
+              </a:ext>
+            </a:extLst>
+          </p:cNvPr>
+          <p:cNvSpPr/>
+          <p:nvPr/>
+        </p:nvSpPr>
+        <p:spPr>
+          <a:xfrm>
+            <a:off x="5756534" y="5480355"/>
+            <a:ext cx="2137919" cy="431044"/>
+          </a:xfrm>
+          <a:prstGeom prst="rect">
+            <a:avLst/>
+          </a:prstGeom>
+          <a:solidFill>
+            <a:schemeClr val="bg1"/>
+          </a:solidFill>
+          <a:ln>
+            <a:solidFill>
+              <a:schemeClr val="tx1"/>
+            </a:solidFill>
+          </a:ln>
+        </p:spPr>
+        <p:style>
+          <a:lnRef idx="2">
+            <a:schemeClr val="accent1">
+              <a:shade val="50000"/>
+            </a:schemeClr>
+          </a:lnRef>
+          <a:fillRef idx="1">
+            <a:schemeClr val="accent1"/>
+          </a:fillRef>
+          <a:effectRef idx="0">
+            <a:schemeClr val="accent1"/>
+          </a:effectRef>
+          <a:fontRef idx="minor">
+            <a:schemeClr val="lt1"/>
+          </a:fontRef>
+        </p:style>
+        <p:txBody>
+          <a:bodyPr rtlCol="0" anchor="ctr"/>
+          <a:lstStyle/>
+          <a:p>
+            <a:pPr algn="ctr"/>
+            <a:r>
+              <a:rPr lang="it-IT" dirty="0" err="1">
+                <a:solidFill>
+                  <a:sysClr val="windowText" lastClr="000000"/>
+                </a:solidFill>
+              </a:rPr>
+              <a:t>Authorization</a:t>
+            </a:r>
+            <a:r>
+              <a:rPr lang="it-IT" dirty="0">
+                <a:solidFill>
+                  <a:sysClr val="windowText" lastClr="000000"/>
+                </a:solidFill>
+              </a:rPr>
+              <a:t> </a:t>
+            </a:r>
+            <a:r>
+              <a:rPr lang="it-IT" dirty="0" err="1">
+                <a:solidFill>
+                  <a:sysClr val="windowText" lastClr="000000"/>
+                </a:solidFill>
+              </a:rPr>
+              <a:t>table</a:t>
+            </a:r>
+            <a:endParaRPr lang="it-IT" dirty="0">
+              <a:solidFill>
+                <a:sysClr val="windowText" lastClr="000000"/>
+              </a:solidFill>
+            </a:endParaRPr>
+          </a:p>
+        </p:txBody>
+      </p:sp>
+      <p:cxnSp>
+        <p:nvCxnSpPr>
+          <p:cNvPr id="40" name="Connettore 2 39">
+            <a:extLst>
+              <a:ext uri="{FF2B5EF4-FFF2-40B4-BE49-F238E27FC236}">
+                <a16:creationId xmlns:a16="http://schemas.microsoft.com/office/drawing/2014/main" id="{6E2B5152-F96E-4794-BAB3-CF6E2AD4C8F9}"/>
+              </a:ext>
+            </a:extLst>
+          </p:cNvPr>
+          <p:cNvCxnSpPr/>
+          <p:nvPr/>
+        </p:nvCxnSpPr>
+        <p:spPr>
+          <a:xfrm rot="5400000" flipH="1">
+            <a:off x="6604921" y="5093264"/>
+            <a:ext cx="523219" cy="0"/>
+          </a:xfrm>
+          <a:prstGeom prst="straightConnector1">
+            <a:avLst/>
+          </a:prstGeom>
+          <a:ln>
+            <a:solidFill>
+              <a:schemeClr val="tx1"/>
+            </a:solidFill>
+            <a:tailEnd type="triangle"/>
+          </a:ln>
+        </p:spPr>
+        <p:style>
+          <a:lnRef idx="1">
+            <a:schemeClr val="accent1"/>
+          </a:lnRef>
+          <a:fillRef idx="0">
+            <a:schemeClr val="accent1"/>
+          </a:fillRef>
+          <a:effectRef idx="0">
+            <a:schemeClr val="accent1"/>
+          </a:effectRef>
+          <a:fontRef idx="minor">
+            <a:schemeClr val="tx1"/>
+          </a:fontRef>
+        </p:style>
+      </p:cxnSp>
+      <p:cxnSp>
+        <p:nvCxnSpPr>
+          <p:cNvPr id="41" name="Connettore 2 40">
+            <a:extLst>
+              <a:ext uri="{FF2B5EF4-FFF2-40B4-BE49-F238E27FC236}">
+                <a16:creationId xmlns:a16="http://schemas.microsoft.com/office/drawing/2014/main" id="{73230E35-5165-4FFC-95FA-05FE91CD4C50}"/>
+              </a:ext>
+            </a:extLst>
+          </p:cNvPr>
+          <p:cNvCxnSpPr/>
+          <p:nvPr/>
+        </p:nvCxnSpPr>
+        <p:spPr>
+          <a:xfrm rot="5400000" flipH="1">
+            <a:off x="6522845" y="5093264"/>
+            <a:ext cx="523219" cy="0"/>
+          </a:xfrm>
+          <a:prstGeom prst="straightConnector1">
+            <a:avLst/>
+          </a:prstGeom>
+          <a:ln>
+            <a:solidFill>
+              <a:schemeClr val="tx1"/>
+            </a:solidFill>
+            <a:headEnd type="triangle" w="med" len="med"/>
+            <a:tailEnd type="none" w="med" len="med"/>
+          </a:ln>
+        </p:spPr>
+        <p:style>
+          <a:lnRef idx="1">
+            <a:schemeClr val="accent1"/>
+          </a:lnRef>
+          <a:fillRef idx="0">
+            <a:schemeClr val="accent1"/>
+          </a:fillRef>
+          <a:effectRef idx="0">
+            <a:schemeClr val="accent1"/>
+          </a:effectRef>
+          <a:fontRef idx="minor">
+            <a:schemeClr val="tx1"/>
+          </a:fontRef>
+        </p:style>
+      </p:cxnSp>
+      <p:cxnSp>
+        <p:nvCxnSpPr>
+          <p:cNvPr id="43" name="Connettore 2 42">
+            <a:extLst>
+              <a:ext uri="{FF2B5EF4-FFF2-40B4-BE49-F238E27FC236}">
+                <a16:creationId xmlns:a16="http://schemas.microsoft.com/office/drawing/2014/main" id="{04F6EEF1-D3F1-45D2-9FEA-AC235191CB8E}"/>
+              </a:ext>
+            </a:extLst>
+          </p:cNvPr>
+          <p:cNvCxnSpPr>
+            <a:cxnSpLocks/>
+          </p:cNvCxnSpPr>
+          <p:nvPr/>
+        </p:nvCxnSpPr>
+        <p:spPr>
+          <a:xfrm flipH="1">
+            <a:off x="8015314" y="4054606"/>
+            <a:ext cx="719955" cy="0"/>
+          </a:xfrm>
+          <a:prstGeom prst="straightConnector1">
+            <a:avLst/>
+          </a:prstGeom>
+          <a:ln>
+            <a:solidFill>
+              <a:schemeClr val="tx1"/>
+            </a:solidFill>
+            <a:headEnd type="triangle" w="med" len="med"/>
+            <a:tailEnd type="none" w="med" len="med"/>
+          </a:ln>
+        </p:spPr>
+        <p:style>
+          <a:lnRef idx="1">
+            <a:schemeClr val="accent1"/>
+          </a:lnRef>
+          <a:fillRef idx="0">
+            <a:schemeClr val="accent1"/>
+          </a:fillRef>
+          <a:effectRef idx="0">
+            <a:schemeClr val="accent1"/>
+          </a:effectRef>
+          <a:fontRef idx="minor">
+            <a:schemeClr val="tx1"/>
+          </a:fontRef>
+        </p:style>
+      </p:cxnSp>
+      <p:sp>
+        <p:nvSpPr>
+          <p:cNvPr id="44" name="CasellaDiTesto 43">
+            <a:extLst>
+              <a:ext uri="{FF2B5EF4-FFF2-40B4-BE49-F238E27FC236}">
+                <a16:creationId xmlns:a16="http://schemas.microsoft.com/office/drawing/2014/main" id="{D3FCB60F-968C-4872-A6F7-AF6C5F6998E3}"/>
+              </a:ext>
+            </a:extLst>
+          </p:cNvPr>
+          <p:cNvSpPr txBox="1"/>
+          <p:nvPr/>
+        </p:nvSpPr>
+        <p:spPr>
+          <a:xfrm>
+            <a:off x="8793203" y="3869940"/>
+            <a:ext cx="2627001" cy="369332"/>
+          </a:xfrm>
+          <a:prstGeom prst="rect">
+            <a:avLst/>
+          </a:prstGeom>
+          <a:noFill/>
+        </p:spPr>
+        <p:txBody>
+          <a:bodyPr wrap="none" rtlCol="0">
+            <a:spAutoFit/>
+          </a:bodyPr>
+          <a:lstStyle/>
+          <a:p>
+            <a:r>
+              <a:rPr lang="it-IT" dirty="0"/>
+              <a:t>Data (or </a:t>
+            </a:r>
+            <a:r>
+              <a:rPr lang="it-IT" dirty="0" err="1"/>
+              <a:t>permission</a:t>
+            </a:r>
+            <a:r>
+              <a:rPr lang="it-IT" dirty="0"/>
+              <a:t> </a:t>
+            </a:r>
+            <a:r>
+              <a:rPr lang="it-IT" dirty="0" err="1"/>
+              <a:t>error</a:t>
+            </a:r>
+            <a:r>
+              <a:rPr lang="it-IT" dirty="0"/>
+              <a:t>)</a:t>
+            </a:r>
+          </a:p>
+        </p:txBody>
+      </p:sp>
+    </p:spTree>
+    <p:extLst>
+      <p:ext uri="{BB962C8B-B14F-4D97-AF65-F5344CB8AC3E}">
+        <p14:creationId xmlns:p14="http://schemas.microsoft.com/office/powerpoint/2010/main" val="4014091750"/>
+      </p:ext>
+    </p:extLst>
+  </p:cSld>
+  <p:clrMapOvr>
+    <a:masterClrMapping/>
+  </p:clrMapOvr>
+  <p:timing>
+    <p:tnLst>
+      <p:par>
+        <p:cTn id="1" dur="indefinite" restart="never" nodeType="tmRoot">
+          <p:childTnLst>
+            <p:seq concurrent="1" nextAc="seek">
+              <p:cTn id="2" dur="indefinite" nodeType="mainSeq">
+                <p:childTnLst>
+                  <p:par>
+                    <p:cTn id="3" fill="hold">
+                      <p:stCondLst>
+                        <p:cond delay="indefinite"/>
+                      </p:stCondLst>
+                      <p:childTnLst>
+                        <p:par>
+                          <p:cTn id="4" fill="hold">
+                            <p:stCondLst>
+                              <p:cond delay="0"/>
+                            </p:stCondLst>
+                            <p:childTnLst>
+                              <p:par>
+                                <p:cTn id="5" presetID="7" presetClass="emph" presetSubtype="1" nodeType="clickEffect">
+                                  <p:stCondLst>
+                                    <p:cond delay="0"/>
+                                  </p:stCondLst>
+                                  <p:childTnLst>
+                                    <p:set>
+                                      <p:cBhvr>
+                                        <p:cTn id="6" dur="indefinite"/>
+                                        <p:tgtEl>
+                                          <p:spTgt spid="4"/>
+                                        </p:tgtEl>
+                                        <p:attrNameLst>
+                                          <p:attrName>stroke.color</p:attrName>
+                                        </p:attrNameLst>
+                                      </p:cBhvr>
+                                      <p:to>
+                                        <p:clrVal>
+                                          <a:srgbClr val="FF2F2F"/>
+                                        </p:clrVal>
+                                      </p:to>
+                                    </p:set>
+                                    <p:set>
+                                      <p:cBhvr>
+                                        <p:cTn id="7" dur="indefinite"/>
+                                        <p:tgtEl>
+                                          <p:spTgt spid="4"/>
+                                        </p:tgtEl>
+                                        <p:attrNameLst>
+                                          <p:attrName>stroke.on</p:attrName>
+                                        </p:attrNameLst>
+                                      </p:cBhvr>
+                                      <p:to>
+                                        <p:strVal val="true"/>
+                                      </p:to>
+                                    </p:set>
+                                  </p:childTnLst>
+                                </p:cTn>
+                              </p:par>
+                            </p:childTnLst>
+                          </p:cTn>
+                        </p:par>
+                      </p:childTnLst>
+                    </p:cTn>
+                  </p:par>
+                  <p:par>
+                    <p:cTn id="8" fill="hold">
+                      <p:stCondLst>
+                        <p:cond delay="indefinite"/>
+                      </p:stCondLst>
+                      <p:childTnLst>
+                        <p:par>
+                          <p:cTn id="9" fill="hold">
+                            <p:stCondLst>
+                              <p:cond delay="0"/>
+                            </p:stCondLst>
+                            <p:childTnLst>
+                              <p:par>
+                                <p:cTn id="10" presetID="7" presetClass="emph" presetSubtype="1" nodeType="clickEffect">
+                                  <p:stCondLst>
+                                    <p:cond delay="0"/>
+                                  </p:stCondLst>
+                                  <p:childTnLst>
+                                    <p:set>
+                                      <p:cBhvr>
+                                        <p:cTn id="11" dur="indefinite"/>
+                                        <p:tgtEl>
+                                          <p:spTgt spid="27"/>
+                                        </p:tgtEl>
+                                        <p:attrNameLst>
+                                          <p:attrName>stroke.color</p:attrName>
+                                        </p:attrNameLst>
+                                      </p:cBhvr>
+                                      <p:to>
+                                        <p:clrVal>
+                                          <a:srgbClr val="FF2F2F"/>
+                                        </p:clrVal>
+                                      </p:to>
+                                    </p:set>
+                                    <p:set>
+                                      <p:cBhvr>
+                                        <p:cTn id="12" dur="indefinite"/>
+                                        <p:tgtEl>
+                                          <p:spTgt spid="27"/>
+                                        </p:tgtEl>
+                                        <p:attrNameLst>
+                                          <p:attrName>stroke.on</p:attrName>
+                                        </p:attrNameLst>
+                                      </p:cBhvr>
+                                      <p:to>
+                                        <p:strVal val="true"/>
+                                      </p:to>
+                                    </p:set>
+                                  </p:childTnLst>
+                                </p:cTn>
+                              </p:par>
+                              <p:par>
+                                <p:cTn id="13" presetID="7" presetClass="emph" presetSubtype="1" nodeType="withEffect">
+                                  <p:stCondLst>
+                                    <p:cond delay="0"/>
+                                  </p:stCondLst>
+                                  <p:childTnLst>
+                                    <p:set>
+                                      <p:cBhvr>
+                                        <p:cTn id="14" dur="indefinite"/>
+                                        <p:tgtEl>
+                                          <p:spTgt spid="23"/>
+                                        </p:tgtEl>
+                                        <p:attrNameLst>
+                                          <p:attrName>stroke.color</p:attrName>
+                                        </p:attrNameLst>
+                                      </p:cBhvr>
+                                      <p:to>
+                                        <p:clrVal>
+                                          <a:srgbClr val="FF2F2F"/>
+                                        </p:clrVal>
+                                      </p:to>
+                                    </p:set>
+                                    <p:set>
+                                      <p:cBhvr>
+                                        <p:cTn id="15" dur="indefinite"/>
+                                        <p:tgtEl>
+                                          <p:spTgt spid="23"/>
+                                        </p:tgtEl>
+                                        <p:attrNameLst>
+                                          <p:attrName>stroke.on</p:attrName>
+                                        </p:attrNameLst>
+                                      </p:cBhvr>
+                                      <p:to>
+                                        <p:strVal val="true"/>
+                                      </p:to>
+                                    </p:set>
+                                  </p:childTnLst>
+                                </p:cTn>
+                              </p:par>
+                            </p:childTnLst>
+                          </p:cTn>
+                        </p:par>
+                      </p:childTnLst>
+                    </p:cTn>
+                  </p:par>
+                  <p:par>
+                    <p:cTn id="16" fill="hold">
+                      <p:stCondLst>
+                        <p:cond delay="indefinite"/>
+                      </p:stCondLst>
+                      <p:childTnLst>
+                        <p:par>
+                          <p:cTn id="17" fill="hold">
+                            <p:stCondLst>
+                              <p:cond delay="0"/>
+                            </p:stCondLst>
+                            <p:childTnLst>
+                              <p:par>
+                                <p:cTn id="18" presetID="7" presetClass="emph" presetSubtype="1" nodeType="clickEffect">
+                                  <p:stCondLst>
+                                    <p:cond delay="0"/>
+                                  </p:stCondLst>
+                                  <p:childTnLst>
+                                    <p:set>
+                                      <p:cBhvr>
+                                        <p:cTn id="19" dur="indefinite"/>
+                                        <p:tgtEl>
+                                          <p:spTgt spid="31"/>
+                                        </p:tgtEl>
+                                        <p:attrNameLst>
+                                          <p:attrName>stroke.color</p:attrName>
+                                        </p:attrNameLst>
+                                      </p:cBhvr>
+                                      <p:to>
+                                        <p:clrVal>
+                                          <a:srgbClr val="FF2F2F"/>
+                                        </p:clrVal>
+                                      </p:to>
+                                    </p:set>
+                                    <p:set>
+                                      <p:cBhvr>
+                                        <p:cTn id="20" dur="indefinite"/>
+                                        <p:tgtEl>
+                                          <p:spTgt spid="31"/>
+                                        </p:tgtEl>
+                                        <p:attrNameLst>
+                                          <p:attrName>stroke.on</p:attrName>
+                                        </p:attrNameLst>
+                                      </p:cBhvr>
+                                      <p:to>
+                                        <p:strVal val="true"/>
+                                      </p:to>
+                                    </p:set>
+                                  </p:childTnLst>
+                                </p:cTn>
+                              </p:par>
+                              <p:par>
+                                <p:cTn id="21" presetID="7" presetClass="emph" presetSubtype="1" nodeType="withEffect">
+                                  <p:stCondLst>
+                                    <p:cond delay="0"/>
+                                  </p:stCondLst>
+                                  <p:childTnLst>
+                                    <p:set>
+                                      <p:cBhvr>
+                                        <p:cTn id="22" dur="indefinite"/>
+                                        <p:tgtEl>
+                                          <p:spTgt spid="15"/>
+                                        </p:tgtEl>
+                                        <p:attrNameLst>
+                                          <p:attrName>stroke.color</p:attrName>
+                                        </p:attrNameLst>
+                                      </p:cBhvr>
+                                      <p:to>
+                                        <p:clrVal>
+                                          <a:srgbClr val="FF2F2F"/>
+                                        </p:clrVal>
+                                      </p:to>
+                                    </p:set>
+                                    <p:set>
+                                      <p:cBhvr>
+                                        <p:cTn id="23" dur="indefinite"/>
+                                        <p:tgtEl>
+                                          <p:spTgt spid="15"/>
+                                        </p:tgtEl>
+                                        <p:attrNameLst>
+                                          <p:attrName>stroke.on</p:attrName>
+                                        </p:attrNameLst>
+                                      </p:cBhvr>
+                                      <p:to>
+                                        <p:strVal val="true"/>
+                                      </p:to>
+                                    </p:set>
+                                  </p:childTnLst>
+                                </p:cTn>
+                              </p:par>
+                            </p:childTnLst>
+                          </p:cTn>
+                        </p:par>
+                      </p:childTnLst>
+                    </p:cTn>
+                  </p:par>
+                  <p:par>
+                    <p:cTn id="24" fill="hold">
+                      <p:stCondLst>
+                        <p:cond delay="indefinite"/>
+                      </p:stCondLst>
+                      <p:childTnLst>
+                        <p:par>
+                          <p:cTn id="25" fill="hold">
+                            <p:stCondLst>
+                              <p:cond delay="0"/>
+                            </p:stCondLst>
+                            <p:childTnLst>
+                              <p:par>
+                                <p:cTn id="26" presetID="7" presetClass="emph" presetSubtype="1" nodeType="clickEffect">
+                                  <p:stCondLst>
+                                    <p:cond delay="0"/>
+                                  </p:stCondLst>
+                                  <p:childTnLst>
+                                    <p:set>
+                                      <p:cBhvr>
+                                        <p:cTn id="27" dur="indefinite"/>
+                                        <p:tgtEl>
+                                          <p:spTgt spid="4"/>
+                                        </p:tgtEl>
+                                        <p:attrNameLst>
+                                          <p:attrName>stroke.color</p:attrName>
+                                        </p:attrNameLst>
+                                      </p:cBhvr>
+                                      <p:to>
+                                        <p:clrVal>
+                                          <a:schemeClr val="tx1"/>
+                                        </p:clrVal>
+                                      </p:to>
+                                    </p:set>
+                                    <p:set>
+                                      <p:cBhvr>
+                                        <p:cTn id="28" dur="indefinite"/>
+                                        <p:tgtEl>
+                                          <p:spTgt spid="4"/>
+                                        </p:tgtEl>
+                                        <p:attrNameLst>
+                                          <p:attrName>stroke.on</p:attrName>
+                                        </p:attrNameLst>
+                                      </p:cBhvr>
+                                      <p:to>
+                                        <p:strVal val="true"/>
+                                      </p:to>
+                                    </p:set>
+                                  </p:childTnLst>
+                                </p:cTn>
+                              </p:par>
+                              <p:par>
+                                <p:cTn id="29" presetID="7" presetClass="emph" presetSubtype="1" nodeType="withEffect">
+                                  <p:stCondLst>
+                                    <p:cond delay="0"/>
+                                  </p:stCondLst>
+                                  <p:childTnLst>
+                                    <p:set>
+                                      <p:cBhvr>
+                                        <p:cTn id="30" dur="indefinite"/>
+                                        <p:tgtEl>
+                                          <p:spTgt spid="27"/>
+                                        </p:tgtEl>
+                                        <p:attrNameLst>
+                                          <p:attrName>stroke.color</p:attrName>
+                                        </p:attrNameLst>
+                                      </p:cBhvr>
+                                      <p:to>
+                                        <p:clrVal>
+                                          <a:schemeClr val="tx1"/>
+                                        </p:clrVal>
+                                      </p:to>
+                                    </p:set>
+                                    <p:set>
+                                      <p:cBhvr>
+                                        <p:cTn id="31" dur="indefinite"/>
+                                        <p:tgtEl>
+                                          <p:spTgt spid="27"/>
+                                        </p:tgtEl>
+                                        <p:attrNameLst>
+                                          <p:attrName>stroke.on</p:attrName>
+                                        </p:attrNameLst>
+                                      </p:cBhvr>
+                                      <p:to>
+                                        <p:strVal val="true"/>
+                                      </p:to>
+                                    </p:set>
+                                  </p:childTnLst>
+                                </p:cTn>
+                              </p:par>
+                              <p:par>
+                                <p:cTn id="32" presetID="7" presetClass="emph" presetSubtype="1" nodeType="withEffect">
+                                  <p:stCondLst>
+                                    <p:cond delay="0"/>
+                                  </p:stCondLst>
+                                  <p:childTnLst>
+                                    <p:set>
+                                      <p:cBhvr>
+                                        <p:cTn id="33" dur="indefinite"/>
+                                        <p:tgtEl>
+                                          <p:spTgt spid="23"/>
+                                        </p:tgtEl>
+                                        <p:attrNameLst>
+                                          <p:attrName>stroke.color</p:attrName>
+                                        </p:attrNameLst>
+                                      </p:cBhvr>
+                                      <p:to>
+                                        <p:clrVal>
+                                          <a:schemeClr val="tx1"/>
+                                        </p:clrVal>
+                                      </p:to>
+                                    </p:set>
+                                    <p:set>
+                                      <p:cBhvr>
+                                        <p:cTn id="34" dur="indefinite"/>
+                                        <p:tgtEl>
+                                          <p:spTgt spid="23"/>
+                                        </p:tgtEl>
+                                        <p:attrNameLst>
+                                          <p:attrName>stroke.on</p:attrName>
+                                        </p:attrNameLst>
+                                      </p:cBhvr>
+                                      <p:to>
+                                        <p:strVal val="true"/>
+                                      </p:to>
+                                    </p:set>
+                                  </p:childTnLst>
+                                </p:cTn>
+                              </p:par>
+                              <p:par>
+                                <p:cTn id="35" presetID="7" presetClass="emph" presetSubtype="1" nodeType="withEffect">
+                                  <p:stCondLst>
+                                    <p:cond delay="0"/>
+                                  </p:stCondLst>
+                                  <p:childTnLst>
+                                    <p:set>
+                                      <p:cBhvr>
+                                        <p:cTn id="36" dur="indefinite"/>
+                                        <p:tgtEl>
+                                          <p:spTgt spid="31"/>
+                                        </p:tgtEl>
+                                        <p:attrNameLst>
+                                          <p:attrName>stroke.color</p:attrName>
+                                        </p:attrNameLst>
+                                      </p:cBhvr>
+                                      <p:to>
+                                        <p:clrVal>
+                                          <a:schemeClr val="tx1"/>
+                                        </p:clrVal>
+                                      </p:to>
+                                    </p:set>
+                                    <p:set>
+                                      <p:cBhvr>
+                                        <p:cTn id="37" dur="indefinite"/>
+                                        <p:tgtEl>
+                                          <p:spTgt spid="31"/>
+                                        </p:tgtEl>
+                                        <p:attrNameLst>
+                                          <p:attrName>stroke.on</p:attrName>
+                                        </p:attrNameLst>
+                                      </p:cBhvr>
+                                      <p:to>
+                                        <p:strVal val="true"/>
+                                      </p:to>
+                                    </p:set>
+                                  </p:childTnLst>
+                                </p:cTn>
+                              </p:par>
+                            </p:childTnLst>
+                          </p:cTn>
+                        </p:par>
+                      </p:childTnLst>
+                    </p:cTn>
+                  </p:par>
+                  <p:par>
+                    <p:cTn id="38" fill="hold">
+                      <p:stCondLst>
+                        <p:cond delay="indefinite"/>
+                      </p:stCondLst>
+                      <p:childTnLst>
+                        <p:par>
+                          <p:cTn id="39" fill="hold">
+                            <p:stCondLst>
+                              <p:cond delay="0"/>
+                            </p:stCondLst>
+                            <p:childTnLst>
+                              <p:par>
+                                <p:cTn id="40" presetID="7" presetClass="emph" presetSubtype="1" nodeType="clickEffect">
+                                  <p:stCondLst>
+                                    <p:cond delay="0"/>
+                                  </p:stCondLst>
+                                  <p:childTnLst>
+                                    <p:set>
+                                      <p:cBhvr>
+                                        <p:cTn id="41" dur="indefinite"/>
+                                        <p:tgtEl>
+                                          <p:spTgt spid="5"/>
+                                        </p:tgtEl>
+                                        <p:attrNameLst>
+                                          <p:attrName>stroke.color</p:attrName>
+                                        </p:attrNameLst>
+                                      </p:cBhvr>
+                                      <p:to>
+                                        <p:clrVal>
+                                          <a:srgbClr val="FF2F2F"/>
+                                        </p:clrVal>
+                                      </p:to>
+                                    </p:set>
+                                    <p:set>
+                                      <p:cBhvr>
+                                        <p:cTn id="42" dur="indefinite"/>
+                                        <p:tgtEl>
+                                          <p:spTgt spid="5"/>
+                                        </p:tgtEl>
+                                        <p:attrNameLst>
+                                          <p:attrName>stroke.on</p:attrName>
+                                        </p:attrNameLst>
+                                      </p:cBhvr>
+                                      <p:to>
+                                        <p:strVal val="true"/>
+                                      </p:to>
+                                    </p:set>
+                                  </p:childTnLst>
+                                </p:cTn>
+                              </p:par>
+                              <p:par>
+                                <p:cTn id="43" presetID="7" presetClass="emph" presetSubtype="1" nodeType="withEffect">
+                                  <p:stCondLst>
+                                    <p:cond delay="0"/>
+                                  </p:stCondLst>
+                                  <p:childTnLst>
+                                    <p:set>
+                                      <p:cBhvr>
+                                        <p:cTn id="44" dur="indefinite"/>
+                                        <p:tgtEl>
+                                          <p:spTgt spid="33"/>
+                                        </p:tgtEl>
+                                        <p:attrNameLst>
+                                          <p:attrName>stroke.color</p:attrName>
+                                        </p:attrNameLst>
+                                      </p:cBhvr>
+                                      <p:to>
+                                        <p:clrVal>
+                                          <a:srgbClr val="FF2F2F"/>
+                                        </p:clrVal>
+                                      </p:to>
+                                    </p:set>
+                                    <p:set>
+                                      <p:cBhvr>
+                                        <p:cTn id="45" dur="indefinite"/>
+                                        <p:tgtEl>
+                                          <p:spTgt spid="33"/>
+                                        </p:tgtEl>
+                                        <p:attrNameLst>
+                                          <p:attrName>stroke.on</p:attrName>
+                                        </p:attrNameLst>
+                                      </p:cBhvr>
+                                      <p:to>
+                                        <p:strVal val="true"/>
+                                      </p:to>
+                                    </p:set>
+                                  </p:childTnLst>
+                                </p:cTn>
+                              </p:par>
+                            </p:childTnLst>
+                          </p:cTn>
+                        </p:par>
+                      </p:childTnLst>
+                    </p:cTn>
+                  </p:par>
+                  <p:par>
+                    <p:cTn id="46" fill="hold">
+                      <p:stCondLst>
+                        <p:cond delay="indefinite"/>
+                      </p:stCondLst>
+                      <p:childTnLst>
+                        <p:par>
+                          <p:cTn id="47" fill="hold">
+                            <p:stCondLst>
+                              <p:cond delay="0"/>
+                            </p:stCondLst>
+                            <p:childTnLst>
+                              <p:par>
+                                <p:cTn id="48" presetID="7" presetClass="emph" presetSubtype="1" nodeType="clickEffect">
+                                  <p:stCondLst>
+                                    <p:cond delay="0"/>
+                                  </p:stCondLst>
+                                  <p:endCondLst>
+                                    <p:cond evt="onNext" delay="0">
+                                      <p:tgtEl>
+                                        <p:sldTgt/>
+                                      </p:tgtEl>
+                                    </p:cond>
+                                  </p:endCondLst>
+                                  <p:childTnLst>
+                                    <p:set>
+                                      <p:cBhvr>
+                                        <p:cTn id="49" dur="indefinite"/>
+                                        <p:tgtEl>
+                                          <p:spTgt spid="14"/>
+                                        </p:tgtEl>
+                                        <p:attrNameLst>
+                                          <p:attrName>stroke.color</p:attrName>
+                                        </p:attrNameLst>
+                                      </p:cBhvr>
+                                      <p:to>
+                                        <p:clrVal>
+                                          <a:srgbClr val="FF2F2F"/>
+                                        </p:clrVal>
+                                      </p:to>
+                                    </p:set>
+                                    <p:set>
+                                      <p:cBhvr>
+                                        <p:cTn id="50" dur="indefinite"/>
+                                        <p:tgtEl>
+                                          <p:spTgt spid="14"/>
+                                        </p:tgtEl>
+                                        <p:attrNameLst>
+                                          <p:attrName>stroke.on</p:attrName>
+                                        </p:attrNameLst>
+                                      </p:cBhvr>
+                                      <p:to>
+                                        <p:strVal val="true"/>
+                                      </p:to>
+                                    </p:set>
+                                  </p:childTnLst>
+                                </p:cTn>
+                              </p:par>
+                              <p:par>
+                                <p:cTn id="51" presetID="7" presetClass="emph" presetSubtype="1" nodeType="withEffect">
+                                  <p:stCondLst>
+                                    <p:cond delay="0"/>
+                                  </p:stCondLst>
+                                  <p:endCondLst>
+                                    <p:cond evt="onNext" delay="0">
+                                      <p:tgtEl>
+                                        <p:sldTgt/>
+                                      </p:tgtEl>
+                                    </p:cond>
+                                  </p:endCondLst>
+                                  <p:childTnLst>
+                                    <p:set>
+                                      <p:cBhvr>
+                                        <p:cTn id="52" dur="indefinite"/>
+                                        <p:tgtEl>
+                                          <p:spTgt spid="17"/>
+                                        </p:tgtEl>
+                                        <p:attrNameLst>
+                                          <p:attrName>stroke.color</p:attrName>
+                                        </p:attrNameLst>
+                                      </p:cBhvr>
+                                      <p:to>
+                                        <p:clrVal>
+                                          <a:srgbClr val="FF2F2F"/>
+                                        </p:clrVal>
+                                      </p:to>
+                                    </p:set>
+                                    <p:set>
+                                      <p:cBhvr>
+                                        <p:cTn id="53" dur="indefinite"/>
+                                        <p:tgtEl>
+                                          <p:spTgt spid="17"/>
+                                        </p:tgtEl>
+                                        <p:attrNameLst>
+                                          <p:attrName>stroke.on</p:attrName>
+                                        </p:attrNameLst>
+                                      </p:cBhvr>
+                                      <p:to>
+                                        <p:strVal val="true"/>
+                                      </p:to>
+                                    </p:set>
+                                  </p:childTnLst>
+                                </p:cTn>
+                              </p:par>
+                              <p:par>
+                                <p:cTn id="54" presetID="7" presetClass="emph" presetSubtype="1" nodeType="withEffect">
+                                  <p:stCondLst>
+                                    <p:cond delay="0"/>
+                                  </p:stCondLst>
+                                  <p:endCondLst>
+                                    <p:cond evt="onNext" delay="0">
+                                      <p:tgtEl>
+                                        <p:sldTgt/>
+                                      </p:tgtEl>
+                                    </p:cond>
+                                  </p:endCondLst>
+                                  <p:childTnLst>
+                                    <p:set>
+                                      <p:cBhvr>
+                                        <p:cTn id="55" dur="indefinite"/>
+                                        <p:tgtEl>
+                                          <p:spTgt spid="18"/>
+                                        </p:tgtEl>
+                                        <p:attrNameLst>
+                                          <p:attrName>stroke.color</p:attrName>
+                                        </p:attrNameLst>
+                                      </p:cBhvr>
+                                      <p:to>
+                                        <p:clrVal>
+                                          <a:srgbClr val="FF2F2F"/>
+                                        </p:clrVal>
+                                      </p:to>
+                                    </p:set>
+                                    <p:set>
+                                      <p:cBhvr>
+                                        <p:cTn id="56" dur="indefinite"/>
+                                        <p:tgtEl>
+                                          <p:spTgt spid="18"/>
+                                        </p:tgtEl>
+                                        <p:attrNameLst>
+                                          <p:attrName>stroke.on</p:attrName>
+                                        </p:attrNameLst>
+                                      </p:cBhvr>
+                                      <p:to>
+                                        <p:strVal val="true"/>
+                                      </p:to>
+                                    </p:set>
+                                  </p:childTnLst>
+                                </p:cTn>
+                              </p:par>
+                              <p:par>
+                                <p:cTn id="57" presetID="7" presetClass="emph" presetSubtype="1" nodeType="withEffect">
+                                  <p:stCondLst>
+                                    <p:cond delay="0"/>
+                                  </p:stCondLst>
+                                  <p:endCondLst>
+                                    <p:cond evt="onNext" delay="0">
+                                      <p:tgtEl>
+                                        <p:sldTgt/>
+                                      </p:tgtEl>
+                                    </p:cond>
+                                  </p:endCondLst>
+                                  <p:childTnLst>
+                                    <p:set>
+                                      <p:cBhvr>
+                                        <p:cTn id="58" dur="indefinite"/>
+                                        <p:tgtEl>
+                                          <p:spTgt spid="21"/>
+                                        </p:tgtEl>
+                                        <p:attrNameLst>
+                                          <p:attrName>stroke.color</p:attrName>
+                                        </p:attrNameLst>
+                                      </p:cBhvr>
+                                      <p:to>
+                                        <p:clrVal>
+                                          <a:srgbClr val="FF2F2F"/>
+                                        </p:clrVal>
+                                      </p:to>
+                                    </p:set>
+                                    <p:set>
+                                      <p:cBhvr>
+                                        <p:cTn id="59" dur="indefinite"/>
+                                        <p:tgtEl>
+                                          <p:spTgt spid="21"/>
+                                        </p:tgtEl>
+                                        <p:attrNameLst>
+                                          <p:attrName>stroke.on</p:attrName>
+                                        </p:attrNameLst>
+                                      </p:cBhvr>
+                                      <p:to>
+                                        <p:strVal val="true"/>
+                                      </p:to>
+                                    </p:set>
+                                  </p:childTnLst>
+                                </p:cTn>
+                              </p:par>
+                              <p:par>
+                                <p:cTn id="60" presetID="7" presetClass="emph" presetSubtype="1" nodeType="withEffect">
+                                  <p:stCondLst>
+                                    <p:cond delay="0"/>
+                                  </p:stCondLst>
+                                  <p:endCondLst>
+                                    <p:cond evt="onNext" delay="0">
+                                      <p:tgtEl>
+                                        <p:sldTgt/>
+                                      </p:tgtEl>
+                                    </p:cond>
+                                  </p:endCondLst>
+                                  <p:childTnLst>
+                                    <p:set>
+                                      <p:cBhvr>
+                                        <p:cTn id="61" dur="indefinite"/>
+                                        <p:tgtEl>
+                                          <p:spTgt spid="22"/>
+                                        </p:tgtEl>
+                                        <p:attrNameLst>
+                                          <p:attrName>stroke.color</p:attrName>
+                                        </p:attrNameLst>
+                                      </p:cBhvr>
+                                      <p:to>
+                                        <p:clrVal>
+                                          <a:srgbClr val="FF2F2F"/>
+                                        </p:clrVal>
+                                      </p:to>
+                                    </p:set>
+                                    <p:set>
+                                      <p:cBhvr>
+                                        <p:cTn id="62" dur="indefinite"/>
+                                        <p:tgtEl>
+                                          <p:spTgt spid="22"/>
+                                        </p:tgtEl>
+                                        <p:attrNameLst>
+                                          <p:attrName>stroke.on</p:attrName>
+                                        </p:attrNameLst>
+                                      </p:cBhvr>
+                                      <p:to>
+                                        <p:strVal val="true"/>
+                                      </p:to>
+                                    </p:set>
+                                  </p:childTnLst>
+                                </p:cTn>
+                              </p:par>
+                            </p:childTnLst>
+                          </p:cTn>
+                        </p:par>
+                      </p:childTnLst>
+                    </p:cTn>
+                  </p:par>
+                  <p:par>
+                    <p:cTn id="63" fill="hold">
+                      <p:stCondLst>
+                        <p:cond delay="indefinite"/>
+                      </p:stCondLst>
+                      <p:childTnLst>
+                        <p:par>
+                          <p:cTn id="64" fill="hold">
+                            <p:stCondLst>
+                              <p:cond delay="0"/>
+                            </p:stCondLst>
+                            <p:childTnLst>
+                              <p:par>
+                                <p:cTn id="65" presetID="7" presetClass="emph" presetSubtype="1" nodeType="clickEffect">
+                                  <p:stCondLst>
+                                    <p:cond delay="0"/>
+                                  </p:stCondLst>
+                                  <p:childTnLst>
+                                    <p:set>
+                                      <p:cBhvr>
+                                        <p:cTn id="66" dur="indefinite"/>
+                                        <p:tgtEl>
+                                          <p:spTgt spid="5"/>
+                                        </p:tgtEl>
+                                        <p:attrNameLst>
+                                          <p:attrName>stroke.color</p:attrName>
+                                        </p:attrNameLst>
+                                      </p:cBhvr>
+                                      <p:to>
+                                        <p:clrVal>
+                                          <a:schemeClr val="tx1"/>
+                                        </p:clrVal>
+                                      </p:to>
+                                    </p:set>
+                                    <p:set>
+                                      <p:cBhvr>
+                                        <p:cTn id="67" dur="indefinite"/>
+                                        <p:tgtEl>
+                                          <p:spTgt spid="5"/>
+                                        </p:tgtEl>
+                                        <p:attrNameLst>
+                                          <p:attrName>stroke.on</p:attrName>
+                                        </p:attrNameLst>
+                                      </p:cBhvr>
+                                      <p:to>
+                                        <p:strVal val="true"/>
+                                      </p:to>
+                                    </p:set>
+                                  </p:childTnLst>
+                                </p:cTn>
+                              </p:par>
+                              <p:par>
+                                <p:cTn id="68" presetID="7" presetClass="emph" presetSubtype="1" nodeType="withEffect">
+                                  <p:stCondLst>
+                                    <p:cond delay="0"/>
+                                  </p:stCondLst>
+                                  <p:childTnLst>
+                                    <p:set>
+                                      <p:cBhvr>
+                                        <p:cTn id="69" dur="indefinite"/>
+                                        <p:tgtEl>
+                                          <p:spTgt spid="33"/>
+                                        </p:tgtEl>
+                                        <p:attrNameLst>
+                                          <p:attrName>stroke.color</p:attrName>
+                                        </p:attrNameLst>
+                                      </p:cBhvr>
+                                      <p:to>
+                                        <p:clrVal>
+                                          <a:schemeClr val="tx1"/>
+                                        </p:clrVal>
+                                      </p:to>
+                                    </p:set>
+                                    <p:set>
+                                      <p:cBhvr>
+                                        <p:cTn id="70" dur="indefinite"/>
+                                        <p:tgtEl>
+                                          <p:spTgt spid="33"/>
+                                        </p:tgtEl>
+                                        <p:attrNameLst>
+                                          <p:attrName>stroke.on</p:attrName>
+                                        </p:attrNameLst>
+                                      </p:cBhvr>
+                                      <p:to>
+                                        <p:strVal val="true"/>
+                                      </p:to>
+                                    </p:set>
+                                  </p:childTnLst>
+                                </p:cTn>
+                              </p:par>
+                            </p:childTnLst>
+                          </p:cTn>
+                        </p:par>
+                      </p:childTnLst>
+                    </p:cTn>
+                  </p:par>
+                  <p:par>
+                    <p:cTn id="71" fill="hold">
+                      <p:stCondLst>
+                        <p:cond delay="indefinite"/>
+                      </p:stCondLst>
+                      <p:childTnLst>
+                        <p:par>
+                          <p:cTn id="72" fill="hold">
+                            <p:stCondLst>
+                              <p:cond delay="0"/>
+                            </p:stCondLst>
+                            <p:childTnLst>
+                              <p:par>
+                                <p:cTn id="73" presetID="7" presetClass="emph" presetSubtype="1" nodeType="clickEffect">
+                                  <p:stCondLst>
+                                    <p:cond delay="0"/>
+                                  </p:stCondLst>
+                                  <p:endCondLst>
+                                    <p:cond evt="onNext" delay="0">
+                                      <p:tgtEl>
+                                        <p:sldTgt/>
+                                      </p:tgtEl>
+                                    </p:cond>
+                                  </p:endCondLst>
+                                  <p:childTnLst>
+                                    <p:set>
+                                      <p:cBhvr>
+                                        <p:cTn id="74" dur="indefinite"/>
+                                        <p:tgtEl>
+                                          <p:spTgt spid="38"/>
+                                        </p:tgtEl>
+                                        <p:attrNameLst>
+                                          <p:attrName>stroke.color</p:attrName>
+                                        </p:attrNameLst>
+                                      </p:cBhvr>
+                                      <p:to>
+                                        <p:clrVal>
+                                          <a:srgbClr val="FF2F2F"/>
+                                        </p:clrVal>
+                                      </p:to>
+                                    </p:set>
+                                    <p:set>
+                                      <p:cBhvr>
+                                        <p:cTn id="75" dur="indefinite"/>
+                                        <p:tgtEl>
+                                          <p:spTgt spid="38"/>
+                                        </p:tgtEl>
+                                        <p:attrNameLst>
+                                          <p:attrName>stroke.on</p:attrName>
+                                        </p:attrNameLst>
+                                      </p:cBhvr>
+                                      <p:to>
+                                        <p:strVal val="true"/>
+                                      </p:to>
+                                    </p:set>
+                                  </p:childTnLst>
+                                </p:cTn>
+                              </p:par>
+                              <p:par>
+                                <p:cTn id="76" presetID="7" presetClass="emph" presetSubtype="1" nodeType="withEffect">
+                                  <p:stCondLst>
+                                    <p:cond delay="0"/>
+                                  </p:stCondLst>
+                                  <p:endCondLst>
+                                    <p:cond evt="onNext" delay="0">
+                                      <p:tgtEl>
+                                        <p:sldTgt/>
+                                      </p:tgtEl>
+                                    </p:cond>
+                                  </p:endCondLst>
+                                  <p:childTnLst>
+                                    <p:set>
+                                      <p:cBhvr>
+                                        <p:cTn id="77" dur="indefinite"/>
+                                        <p:tgtEl>
+                                          <p:spTgt spid="40"/>
+                                        </p:tgtEl>
+                                        <p:attrNameLst>
+                                          <p:attrName>stroke.color</p:attrName>
+                                        </p:attrNameLst>
+                                      </p:cBhvr>
+                                      <p:to>
+                                        <p:clrVal>
+                                          <a:srgbClr val="FF2F2F"/>
+                                        </p:clrVal>
+                                      </p:to>
+                                    </p:set>
+                                    <p:set>
+                                      <p:cBhvr>
+                                        <p:cTn id="78" dur="indefinite"/>
+                                        <p:tgtEl>
+                                          <p:spTgt spid="40"/>
+                                        </p:tgtEl>
+                                        <p:attrNameLst>
+                                          <p:attrName>stroke.on</p:attrName>
+                                        </p:attrNameLst>
+                                      </p:cBhvr>
+                                      <p:to>
+                                        <p:strVal val="true"/>
+                                      </p:to>
+                                    </p:set>
+                                  </p:childTnLst>
+                                </p:cTn>
+                              </p:par>
+                              <p:par>
+                                <p:cTn id="79" presetID="7" presetClass="emph" presetSubtype="1" nodeType="withEffect">
+                                  <p:stCondLst>
+                                    <p:cond delay="0"/>
+                                  </p:stCondLst>
+                                  <p:endCondLst>
+                                    <p:cond evt="onNext" delay="0">
+                                      <p:tgtEl>
+                                        <p:sldTgt/>
+                                      </p:tgtEl>
+                                    </p:cond>
+                                  </p:endCondLst>
+                                  <p:childTnLst>
+                                    <p:set>
+                                      <p:cBhvr>
+                                        <p:cTn id="80" dur="indefinite"/>
+                                        <p:tgtEl>
+                                          <p:spTgt spid="41"/>
+                                        </p:tgtEl>
+                                        <p:attrNameLst>
+                                          <p:attrName>stroke.color</p:attrName>
+                                        </p:attrNameLst>
+                                      </p:cBhvr>
+                                      <p:to>
+                                        <p:clrVal>
+                                          <a:srgbClr val="FF2F2F"/>
+                                        </p:clrVal>
+                                      </p:to>
+                                    </p:set>
+                                    <p:set>
+                                      <p:cBhvr>
+                                        <p:cTn id="81" dur="indefinite"/>
+                                        <p:tgtEl>
+                                          <p:spTgt spid="41"/>
+                                        </p:tgtEl>
+                                        <p:attrNameLst>
+                                          <p:attrName>stroke.on</p:attrName>
+                                        </p:attrNameLst>
+                                      </p:cBhvr>
+                                      <p:to>
+                                        <p:strVal val="true"/>
+                                      </p:to>
+                                    </p:set>
+                                  </p:childTnLst>
+                                </p:cTn>
+                              </p:par>
+                              <p:par>
+                                <p:cTn id="82" presetID="7" presetClass="emph" presetSubtype="1" nodeType="withEffect">
+                                  <p:stCondLst>
+                                    <p:cond delay="0"/>
+                                  </p:stCondLst>
+                                  <p:endCondLst>
+                                    <p:cond evt="onNext" delay="0">
+                                      <p:tgtEl>
+                                        <p:sldTgt/>
+                                      </p:tgtEl>
+                                    </p:cond>
+                                  </p:endCondLst>
+                                  <p:childTnLst>
+                                    <p:set>
+                                      <p:cBhvr>
+                                        <p:cTn id="83" dur="indefinite"/>
+                                        <p:tgtEl>
+                                          <p:spTgt spid="29"/>
+                                        </p:tgtEl>
+                                        <p:attrNameLst>
+                                          <p:attrName>stroke.color</p:attrName>
+                                        </p:attrNameLst>
+                                      </p:cBhvr>
+                                      <p:to>
+                                        <p:clrVal>
+                                          <a:srgbClr val="FF2F2F"/>
+                                        </p:clrVal>
+                                      </p:to>
+                                    </p:set>
+                                    <p:set>
+                                      <p:cBhvr>
+                                        <p:cTn id="84" dur="indefinite"/>
+                                        <p:tgtEl>
+                                          <p:spTgt spid="29"/>
+                                        </p:tgtEl>
+                                        <p:attrNameLst>
+                                          <p:attrName>stroke.on</p:attrName>
+                                        </p:attrNameLst>
+                                      </p:cBhvr>
+                                      <p:to>
+                                        <p:strVal val="true"/>
+                                      </p:to>
+                                    </p:set>
+                                  </p:childTnLst>
+                                </p:cTn>
+                              </p:par>
+                            </p:childTnLst>
+                          </p:cTn>
+                        </p:par>
+                      </p:childTnLst>
+                    </p:cTn>
+                  </p:par>
+                  <p:par>
+                    <p:cTn id="85" fill="hold">
+                      <p:stCondLst>
+                        <p:cond delay="indefinite"/>
+                      </p:stCondLst>
+                      <p:childTnLst>
+                        <p:par>
+                          <p:cTn id="86" fill="hold">
+                            <p:stCondLst>
+                              <p:cond delay="0"/>
+                            </p:stCondLst>
+                            <p:childTnLst>
+                              <p:par>
+                                <p:cTn id="87" presetID="3" presetClass="emph" presetSubtype="1" grpId="0" nodeType="clickEffect">
+                                  <p:stCondLst>
+                                    <p:cond delay="0"/>
+                                  </p:stCondLst>
+                                  <p:childTnLst>
+                                    <p:set>
+                                      <p:cBhvr override="childStyle">
+                                        <p:cTn id="88" dur="indefinite"/>
+                                        <p:tgtEl>
+                                          <p:spTgt spid="44"/>
+                                        </p:tgtEl>
+                                        <p:attrNameLst>
+                                          <p:attrName>style.color</p:attrName>
+                                        </p:attrNameLst>
+                                      </p:cBhvr>
+                                      <p:to>
+                                        <p:clrVal>
+                                          <a:srgbClr val="FF2F2F"/>
+                                        </p:clrVal>
+                                      </p:to>
+                                    </p:set>
+                                  </p:childTnLst>
+                                </p:cTn>
+                              </p:par>
+                              <p:par>
+                                <p:cTn id="89" presetID="7" presetClass="emph" presetSubtype="1" nodeType="withEffect">
+                                  <p:stCondLst>
+                                    <p:cond delay="0"/>
+                                  </p:stCondLst>
+                                  <p:childTnLst>
+                                    <p:set>
+                                      <p:cBhvr>
+                                        <p:cTn id="90" dur="indefinite"/>
+                                        <p:tgtEl>
+                                          <p:spTgt spid="15"/>
+                                        </p:tgtEl>
+                                        <p:attrNameLst>
+                                          <p:attrName>stroke.color</p:attrName>
+                                        </p:attrNameLst>
+                                      </p:cBhvr>
+                                      <p:to>
+                                        <p:clrVal>
+                                          <a:schemeClr val="tx1"/>
+                                        </p:clrVal>
+                                      </p:to>
+                                    </p:set>
+                                    <p:set>
+                                      <p:cBhvr>
+                                        <p:cTn id="91" dur="indefinite"/>
+                                        <p:tgtEl>
+                                          <p:spTgt spid="15"/>
+                                        </p:tgtEl>
+                                        <p:attrNameLst>
+                                          <p:attrName>stroke.on</p:attrName>
+                                        </p:attrNameLst>
+                                      </p:cBhvr>
+                                      <p:to>
+                                        <p:strVal val="true"/>
+                                      </p:to>
+                                    </p:set>
+                                  </p:childTnLst>
+                                </p:cTn>
+                              </p:par>
+                            </p:childTnLst>
+                          </p:cTn>
+                        </p:par>
+                      </p:childTnLst>
+                    </p:cTn>
+                  </p:par>
+                </p:childTnLst>
+              </p:cTn>
+              <p:prevCondLst>
+                <p:cond evt="onPrev" delay="0">
+                  <p:tgtEl>
+                    <p:sldTgt/>
+                  </p:tgtEl>
+                </p:cond>
+              </p:prevCondLst>
+              <p:nextCondLst>
+                <p:cond evt="onNext" delay="0">
+                  <p:tgtEl>
+                    <p:sldTgt/>
+                  </p:tgtEl>
+                </p:cond>
+              </p:nextCondLst>
+            </p:seq>
+          </p:childTnLst>
+        </p:cTn>
+      </p:par>
+    </p:tnLst>
+    <p:bldLst>
+      <p:bldP spid="44" grpId="0"/>
+    </p:bldLst>
+  </p:timing>
+</p:sld>
+</file>
+
+<file path=ppt/slides/slide9.xml><?xml version="1.0" encoding="utf-8"?>
+<p:sld xmlns:a="http://schemas.openxmlformats.org/drawingml/2006/main" xmlns:r="http://schemas.openxmlformats.org/officeDocument/2006/relationships" xmlns:p="http://schemas.openxmlformats.org/presentationml/2006/main">
+  <p:cSld>
+    <p:spTree>
+      <p:nvGrpSpPr>
+        <p:cNvPr id="1" name=""/>
+        <p:cNvGrpSpPr/>
+        <p:nvPr/>
+      </p:nvGrpSpPr>
+      <p:grpSpPr>
+        <a:xfrm>
+          <a:off x="0" y="0"/>
+          <a:ext cx="0" cy="0"/>
+          <a:chOff x="0" y="0"/>
+          <a:chExt cx="0" cy="0"/>
+        </a:xfrm>
+      </p:grpSpPr>
+      <p:sp>
+        <p:nvSpPr>
           <p:cNvPr id="3" name="Segnaposto contenuto 2">
             <a:extLst>
               <a:ext uri="{FF2B5EF4-FFF2-40B4-BE49-F238E27FC236}">
@@ -5479,58 +9701,6 @@
               <a:t>Permissions</a:t>
             </a:r>
             <a:endParaRPr lang="it-IT" dirty="0"/>
-          </a:p>
-        </p:txBody>
-      </p:sp>
-      <p:sp>
-        <p:nvSpPr>
-          <p:cNvPr id="4" name="CasellaDiTesto 3">
-            <a:extLst>
-              <a:ext uri="{FF2B5EF4-FFF2-40B4-BE49-F238E27FC236}">
-                <a16:creationId xmlns:a16="http://schemas.microsoft.com/office/drawing/2014/main" id="{6C8B0C11-8CAA-434E-8F20-CFBAA4FC67AA}"/>
-              </a:ext>
-            </a:extLst>
-          </p:cNvPr>
-          <p:cNvSpPr txBox="1"/>
-          <p:nvPr/>
-        </p:nvSpPr>
-        <p:spPr>
-          <a:xfrm>
-            <a:off x="9025850" y="5869094"/>
-            <a:ext cx="2129830" cy="307777"/>
-          </a:xfrm>
-          <a:prstGeom prst="rect">
-            <a:avLst/>
-          </a:prstGeom>
-          <a:noFill/>
-        </p:spPr>
-        <p:txBody>
-          <a:bodyPr wrap="square" rtlCol="0">
-            <a:spAutoFit/>
-          </a:bodyPr>
-          <a:lstStyle/>
-          <a:p>
-            <a:pPr algn="r"/>
-            <a:r>
-              <a:rPr lang="it-IT" sz="1400" dirty="0">
-                <a:solidFill>
-                  <a:srgbClr val="FF0000"/>
-                </a:solidFill>
-              </a:rPr>
-              <a:t>*</a:t>
-            </a:r>
-            <a:r>
-              <a:rPr lang="it-IT" sz="1400" dirty="0"/>
-              <a:t> </a:t>
-            </a:r>
-            <a:r>
-              <a:rPr lang="it-IT" sz="1400" dirty="0" err="1"/>
-              <a:t>requires</a:t>
-            </a:r>
-            <a:r>
-              <a:rPr lang="it-IT" sz="1400" dirty="0"/>
-              <a:t> authentication</a:t>
-            </a:r>
           </a:p>
         </p:txBody>
       </p:sp>
